--- a/総合演習資料/2.外部設計/ユースケース図_DB.pptx
+++ b/総合演習資料/2.外部設計/ユースケース図_DB.pptx
@@ -244,7 +244,7 @@
           <a:p>
             <a:fld id="{931ADCC0-89D4-47E2-A51B-3DB9029B3371}" type="datetimeFigureOut">
               <a:rPr kumimoji="1" lang="ja-JP" altLang="en-US" smtClean="0"/>
-              <a:t>2017/10/19</a:t>
+              <a:t>2017/10/25</a:t>
             </a:fld>
             <a:endParaRPr kumimoji="1" lang="ja-JP" altLang="en-US"/>
           </a:p>
@@ -446,7 +446,7 @@
           <a:p>
             <a:fld id="{931ADCC0-89D4-47E2-A51B-3DB9029B3371}" type="datetimeFigureOut">
               <a:rPr kumimoji="1" lang="ja-JP" altLang="en-US" smtClean="0"/>
-              <a:t>2017/10/19</a:t>
+              <a:t>2017/10/25</a:t>
             </a:fld>
             <a:endParaRPr kumimoji="1" lang="ja-JP" altLang="en-US"/>
           </a:p>
@@ -658,7 +658,7 @@
           <a:p>
             <a:fld id="{931ADCC0-89D4-47E2-A51B-3DB9029B3371}" type="datetimeFigureOut">
               <a:rPr kumimoji="1" lang="ja-JP" altLang="en-US" smtClean="0"/>
-              <a:t>2017/10/19</a:t>
+              <a:t>2017/10/25</a:t>
             </a:fld>
             <a:endParaRPr kumimoji="1" lang="ja-JP" altLang="en-US"/>
           </a:p>
@@ -860,7 +860,7 @@
           <a:p>
             <a:fld id="{931ADCC0-89D4-47E2-A51B-3DB9029B3371}" type="datetimeFigureOut">
               <a:rPr kumimoji="1" lang="ja-JP" altLang="en-US" smtClean="0"/>
-              <a:t>2017/10/19</a:t>
+              <a:t>2017/10/25</a:t>
             </a:fld>
             <a:endParaRPr kumimoji="1" lang="ja-JP" altLang="en-US"/>
           </a:p>
@@ -1106,7 +1106,7 @@
           <a:p>
             <a:fld id="{931ADCC0-89D4-47E2-A51B-3DB9029B3371}" type="datetimeFigureOut">
               <a:rPr kumimoji="1" lang="ja-JP" altLang="en-US" smtClean="0"/>
-              <a:t>2017/10/19</a:t>
+              <a:t>2017/10/25</a:t>
             </a:fld>
             <a:endParaRPr kumimoji="1" lang="ja-JP" altLang="en-US"/>
           </a:p>
@@ -1402,7 +1402,7 @@
           <a:p>
             <a:fld id="{931ADCC0-89D4-47E2-A51B-3DB9029B3371}" type="datetimeFigureOut">
               <a:rPr kumimoji="1" lang="ja-JP" altLang="en-US" smtClean="0"/>
-              <a:t>2017/10/19</a:t>
+              <a:t>2017/10/25</a:t>
             </a:fld>
             <a:endParaRPr kumimoji="1" lang="ja-JP" altLang="en-US"/>
           </a:p>
@@ -1833,7 +1833,7 @@
           <a:p>
             <a:fld id="{931ADCC0-89D4-47E2-A51B-3DB9029B3371}" type="datetimeFigureOut">
               <a:rPr kumimoji="1" lang="ja-JP" altLang="en-US" smtClean="0"/>
-              <a:t>2017/10/19</a:t>
+              <a:t>2017/10/25</a:t>
             </a:fld>
             <a:endParaRPr kumimoji="1" lang="ja-JP" altLang="en-US"/>
           </a:p>
@@ -1951,7 +1951,7 @@
           <a:p>
             <a:fld id="{931ADCC0-89D4-47E2-A51B-3DB9029B3371}" type="datetimeFigureOut">
               <a:rPr kumimoji="1" lang="ja-JP" altLang="en-US" smtClean="0"/>
-              <a:t>2017/10/19</a:t>
+              <a:t>2017/10/25</a:t>
             </a:fld>
             <a:endParaRPr kumimoji="1" lang="ja-JP" altLang="en-US"/>
           </a:p>
@@ -2046,7 +2046,7 @@
           <a:p>
             <a:fld id="{931ADCC0-89D4-47E2-A51B-3DB9029B3371}" type="datetimeFigureOut">
               <a:rPr kumimoji="1" lang="ja-JP" altLang="en-US" smtClean="0"/>
-              <a:t>2017/10/19</a:t>
+              <a:t>2017/10/25</a:t>
             </a:fld>
             <a:endParaRPr kumimoji="1" lang="ja-JP" altLang="en-US"/>
           </a:p>
@@ -2355,7 +2355,7 @@
           <a:p>
             <a:fld id="{931ADCC0-89D4-47E2-A51B-3DB9029B3371}" type="datetimeFigureOut">
               <a:rPr kumimoji="1" lang="ja-JP" altLang="en-US" smtClean="0"/>
-              <a:t>2017/10/19</a:t>
+              <a:t>2017/10/25</a:t>
             </a:fld>
             <a:endParaRPr kumimoji="1" lang="ja-JP" altLang="en-US"/>
           </a:p>
@@ -2608,7 +2608,7 @@
           <a:p>
             <a:fld id="{931ADCC0-89D4-47E2-A51B-3DB9029B3371}" type="datetimeFigureOut">
               <a:rPr kumimoji="1" lang="ja-JP" altLang="en-US" smtClean="0"/>
-              <a:t>2017/10/19</a:t>
+              <a:t>2017/10/25</a:t>
             </a:fld>
             <a:endParaRPr kumimoji="1" lang="ja-JP" altLang="en-US"/>
           </a:p>
@@ -2853,7 +2853,7 @@
           <a:p>
             <a:fld id="{931ADCC0-89D4-47E2-A51B-3DB9029B3371}" type="datetimeFigureOut">
               <a:rPr kumimoji="1" lang="ja-JP" altLang="en-US" smtClean="0"/>
-              <a:t>2017/10/19</a:t>
+              <a:t>2017/10/25</a:t>
             </a:fld>
             <a:endParaRPr kumimoji="1" lang="ja-JP" altLang="en-US"/>
           </a:p>
@@ -3307,7 +3307,7 @@
                 <a:ea typeface="メイリオ" panose="020B0604030504040204" pitchFamily="50" charset="-128"/>
                 <a:cs typeface="メイリオ" panose="020B0604030504040204" pitchFamily="50" charset="-128"/>
               </a:rPr>
-              <a:t>データベース掲示板</a:t>
+              <a:t>社員情報管理システム</a:t>
             </a:r>
             <a:endParaRPr kumimoji="1" lang="ja-JP" altLang="en-US" sz="2000" dirty="0">
               <a:solidFill>
@@ -4047,7 +4047,7 @@
         <p:spPr>
           <a:xfrm>
             <a:off x="4677378" y="1080423"/>
-            <a:ext cx="2027453" cy="333862"/>
+            <a:ext cx="2406468" cy="333862"/>
           </a:xfrm>
           <a:prstGeom prst="rect">
             <a:avLst/>
@@ -4078,6 +4078,28 @@
           <a:lstStyle/>
           <a:p>
             <a:pPr algn="ctr"/>
+            <a:r>
+              <a:rPr lang="ja-JP" altLang="en-US" sz="1600" dirty="0" smtClean="0">
+                <a:solidFill>
+                  <a:schemeClr val="tx1"/>
+                </a:solidFill>
+                <a:latin typeface="メイリオ" panose="020B0604030504040204" pitchFamily="50" charset="-128"/>
+                <a:ea typeface="メイリオ" panose="020B0604030504040204" pitchFamily="50" charset="-128"/>
+                <a:cs typeface="メイリオ" panose="020B0604030504040204" pitchFamily="50" charset="-128"/>
+              </a:rPr>
+              <a:t>社員情報</a:t>
+            </a:r>
+            <a:r>
+              <a:rPr lang="ja-JP" altLang="en-US" sz="1600" dirty="0">
+                <a:solidFill>
+                  <a:schemeClr val="tx1"/>
+                </a:solidFill>
+                <a:latin typeface="メイリオ" panose="020B0604030504040204" pitchFamily="50" charset="-128"/>
+                <a:ea typeface="メイリオ" panose="020B0604030504040204" pitchFamily="50" charset="-128"/>
+                <a:cs typeface="メイリオ" panose="020B0604030504040204" pitchFamily="50" charset="-128"/>
+              </a:rPr>
+              <a:t>管理</a:t>
+            </a:r>
             <a:r>
               <a:rPr kumimoji="1" lang="ja-JP" altLang="en-US" sz="1600" dirty="0" smtClean="0">
                 <a:solidFill>
@@ -4087,7 +4109,7 @@
                 <a:ea typeface="メイリオ" panose="020B0604030504040204" pitchFamily="50" charset="-128"/>
                 <a:cs typeface="メイリオ" panose="020B0604030504040204" pitchFamily="50" charset="-128"/>
               </a:rPr>
-              <a:t>掲示板システム</a:t>
+              <a:t>システム</a:t>
             </a:r>
             <a:endParaRPr kumimoji="1" lang="ja-JP" altLang="en-US" sz="1600" dirty="0">
               <a:solidFill>
@@ -4108,7 +4130,7 @@
         </p:nvSpPr>
         <p:spPr>
           <a:xfrm>
-            <a:off x="4518748" y="2040688"/>
+            <a:off x="4518748" y="2360180"/>
             <a:ext cx="2702322" cy="651989"/>
           </a:xfrm>
           <a:prstGeom prst="ellipse">
@@ -4143,7 +4165,7 @@
           <a:p>
             <a:pPr algn="ctr"/>
             <a:r>
-              <a:rPr lang="ja-JP" altLang="en-US" sz="1400" dirty="0" smtClean="0">
+              <a:rPr lang="zh-TW" altLang="en-US" sz="1400" dirty="0">
                 <a:solidFill>
                   <a:schemeClr val="tx1"/>
                 </a:solidFill>
@@ -4151,7 +4173,18 @@
                 <a:ea typeface="メイリオ" panose="020B0604030504040204" pitchFamily="50" charset="-128"/>
                 <a:cs typeface="メイリオ" panose="020B0604030504040204" pitchFamily="50" charset="-128"/>
               </a:rPr>
-              <a:t>新規投稿機能</a:t>
+              <a:t>社員情報</a:t>
+            </a:r>
+            <a:r>
+              <a:rPr lang="zh-TW" altLang="en-US" sz="1400" dirty="0" smtClean="0">
+                <a:solidFill>
+                  <a:schemeClr val="tx1"/>
+                </a:solidFill>
+                <a:latin typeface="メイリオ" panose="020B0604030504040204" pitchFamily="50" charset="-128"/>
+                <a:ea typeface="メイリオ" panose="020B0604030504040204" pitchFamily="50" charset="-128"/>
+                <a:cs typeface="メイリオ" panose="020B0604030504040204" pitchFamily="50" charset="-128"/>
+              </a:rPr>
+              <a:t>検索機能</a:t>
             </a:r>
             <a:endParaRPr kumimoji="1" lang="ja-JP" altLang="en-US" sz="1400" dirty="0">
               <a:solidFill>
@@ -4174,8 +4207,8 @@
         </p:nvCxnSpPr>
         <p:spPr>
           <a:xfrm flipV="1">
-            <a:off x="2030011" y="2366683"/>
-            <a:ext cx="2488737" cy="1000306"/>
+            <a:off x="2038227" y="2686175"/>
+            <a:ext cx="2480521" cy="892644"/>
           </a:xfrm>
           <a:prstGeom prst="straightConnector1">
             <a:avLst/>
@@ -4205,75 +4238,13 @@
       </p:cxnSp>
       <p:sp>
         <p:nvSpPr>
-          <p:cNvPr id="143" name="正方形/長方形 142"/>
-          <p:cNvSpPr/>
-          <p:nvPr/>
-        </p:nvSpPr>
-        <p:spPr>
-          <a:xfrm>
-            <a:off x="615693" y="4202531"/>
-            <a:ext cx="1385739" cy="333862"/>
-          </a:xfrm>
-          <a:prstGeom prst="rect">
-            <a:avLst/>
-          </a:prstGeom>
-          <a:noFill/>
-          <a:ln>
-            <a:noFill/>
-          </a:ln>
-        </p:spPr>
-        <p:style>
-          <a:lnRef idx="2">
-            <a:schemeClr val="accent1">
-              <a:shade val="50000"/>
-            </a:schemeClr>
-          </a:lnRef>
-          <a:fillRef idx="1">
-            <a:schemeClr val="accent1"/>
-          </a:fillRef>
-          <a:effectRef idx="0">
-            <a:schemeClr val="accent1"/>
-          </a:effectRef>
-          <a:fontRef idx="minor">
-            <a:schemeClr val="lt1"/>
-          </a:fontRef>
-        </p:style>
-        <p:txBody>
-          <a:bodyPr rtlCol="0" anchor="ctr"/>
-          <a:lstStyle/>
-          <a:p>
-            <a:pPr algn="ctr"/>
-            <a:r>
-              <a:rPr kumimoji="1" lang="ja-JP" altLang="en-US" sz="1400" dirty="0" smtClean="0">
-                <a:solidFill>
-                  <a:schemeClr val="tx1"/>
-                </a:solidFill>
-                <a:latin typeface="メイリオ" panose="020B0604030504040204" pitchFamily="50" charset="-128"/>
-                <a:ea typeface="メイリオ" panose="020B0604030504040204" pitchFamily="50" charset="-128"/>
-                <a:cs typeface="メイリオ" panose="020B0604030504040204" pitchFamily="50" charset="-128"/>
-              </a:rPr>
-              <a:t>利用者</a:t>
-            </a:r>
-            <a:endParaRPr kumimoji="1" lang="ja-JP" altLang="en-US" sz="1400" dirty="0">
-              <a:solidFill>
-                <a:schemeClr val="tx1"/>
-              </a:solidFill>
-              <a:latin typeface="メイリオ" panose="020B0604030504040204" pitchFamily="50" charset="-128"/>
-              <a:ea typeface="メイリオ" panose="020B0604030504040204" pitchFamily="50" charset="-128"/>
-              <a:cs typeface="メイリオ" panose="020B0604030504040204" pitchFamily="50" charset="-128"/>
-            </a:endParaRPr>
-          </a:p>
-        </p:txBody>
-      </p:sp>
-      <p:sp>
-        <p:nvSpPr>
           <p:cNvPr id="47" name="円/楕円 46"/>
           <p:cNvSpPr/>
           <p:nvPr/>
         </p:nvSpPr>
         <p:spPr>
           <a:xfrm>
-            <a:off x="4485880" y="3971820"/>
+            <a:off x="4485880" y="4070973"/>
             <a:ext cx="2702322" cy="651989"/>
           </a:xfrm>
           <a:prstGeom prst="ellipse">
@@ -4316,7 +4287,18 @@
                 <a:ea typeface="メイリオ" panose="020B0604030504040204" pitchFamily="50" charset="-128"/>
                 <a:cs typeface="メイリオ" panose="020B0604030504040204" pitchFamily="50" charset="-128"/>
               </a:rPr>
-              <a:t>一覧表示機能</a:t>
+              <a:t>新規登録</a:t>
+            </a:r>
+            <a:r>
+              <a:rPr lang="zh-TW" altLang="en-US" sz="1400" dirty="0" smtClean="0">
+                <a:solidFill>
+                  <a:schemeClr val="tx1"/>
+                </a:solidFill>
+                <a:latin typeface="メイリオ" panose="020B0604030504040204" pitchFamily="50" charset="-128"/>
+                <a:ea typeface="メイリオ" panose="020B0604030504040204" pitchFamily="50" charset="-128"/>
+                <a:cs typeface="メイリオ" panose="020B0604030504040204" pitchFamily="50" charset="-128"/>
+              </a:rPr>
+              <a:t>機能</a:t>
             </a:r>
             <a:endParaRPr kumimoji="1" lang="ja-JP" altLang="en-US" sz="1400" dirty="0">
               <a:solidFill>
@@ -4337,7 +4319,7 @@
         </p:nvSpPr>
         <p:spPr>
           <a:xfrm>
-            <a:off x="4518748" y="3006254"/>
+            <a:off x="4518748" y="3215577"/>
             <a:ext cx="2702322" cy="651989"/>
           </a:xfrm>
           <a:prstGeom prst="ellipse">
@@ -4372,7 +4354,7 @@
           <a:p>
             <a:pPr algn="ctr"/>
             <a:r>
-              <a:rPr lang="ja-JP" altLang="en-US" sz="1400" dirty="0" smtClean="0">
+              <a:rPr lang="zh-TW" altLang="en-US" sz="1400" dirty="0">
                 <a:solidFill>
                   <a:schemeClr val="tx1"/>
                 </a:solidFill>
@@ -4380,7 +4362,7 @@
                 <a:ea typeface="メイリオ" panose="020B0604030504040204" pitchFamily="50" charset="-128"/>
                 <a:cs typeface="メイリオ" panose="020B0604030504040204" pitchFamily="50" charset="-128"/>
               </a:rPr>
-              <a:t>検索機能</a:t>
+              <a:t>社員詳細情報表示機能</a:t>
             </a:r>
             <a:endParaRPr kumimoji="1" lang="ja-JP" altLang="en-US" sz="1400" dirty="0">
               <a:solidFill>
@@ -4401,7 +4383,7 @@
         </p:nvSpPr>
         <p:spPr>
           <a:xfrm>
-            <a:off x="4518747" y="4892821"/>
+            <a:off x="4518747" y="4958923"/>
             <a:ext cx="2702323" cy="651989"/>
           </a:xfrm>
           <a:prstGeom prst="ellipse">
@@ -4444,7 +4426,7 @@
                 <a:ea typeface="メイリオ" panose="020B0604030504040204" pitchFamily="50" charset="-128"/>
                 <a:cs typeface="メイリオ" panose="020B0604030504040204" pitchFamily="50" charset="-128"/>
               </a:rPr>
-              <a:t>管理者ログイン機能</a:t>
+              <a:t>修正機能</a:t>
             </a:r>
             <a:endParaRPr kumimoji="1" lang="ja-JP" altLang="en-US" sz="1400" dirty="0">
               <a:solidFill>
@@ -4500,7 +4482,7 @@
           <a:p>
             <a:pPr algn="ctr"/>
             <a:r>
-              <a:rPr lang="ja-JP" altLang="en-US" sz="1400" dirty="0" smtClean="0">
+              <a:rPr lang="ja-JP" altLang="en-US" sz="1400" dirty="0">
                 <a:solidFill>
                   <a:schemeClr val="tx1"/>
                 </a:solidFill>
@@ -4508,7 +4490,7 @@
                 <a:ea typeface="メイリオ" panose="020B0604030504040204" pitchFamily="50" charset="-128"/>
                 <a:cs typeface="メイリオ" panose="020B0604030504040204" pitchFamily="50" charset="-128"/>
               </a:rPr>
-              <a:t>投稿削除機能</a:t>
+              <a:t>削除機能</a:t>
             </a:r>
             <a:endParaRPr kumimoji="1" lang="ja-JP" altLang="en-US" sz="1400" dirty="0">
               <a:solidFill>
@@ -4529,7 +4511,7 @@
         </p:nvGrpSpPr>
         <p:grpSpPr>
           <a:xfrm>
-            <a:off x="10182588" y="4384751"/>
+            <a:off x="717391" y="2955802"/>
             <a:ext cx="1122770" cy="1436624"/>
             <a:chOff x="9679402" y="2348748"/>
             <a:chExt cx="1122770" cy="1436624"/>
@@ -4737,222 +4719,6 @@
           </p:style>
         </p:cxnSp>
       </p:grpSp>
-      <p:grpSp>
-        <p:nvGrpSpPr>
-          <p:cNvPr id="77" name="グループ化 76"/>
-          <p:cNvGrpSpPr/>
-          <p:nvPr/>
-        </p:nvGrpSpPr>
-        <p:grpSpPr>
-          <a:xfrm>
-            <a:off x="882589" y="2692677"/>
-            <a:ext cx="1122770" cy="1436624"/>
-            <a:chOff x="9679402" y="2348748"/>
-            <a:chExt cx="1122770" cy="1436624"/>
-          </a:xfrm>
-        </p:grpSpPr>
-        <p:sp>
-          <p:nvSpPr>
-            <p:cNvPr id="80" name="円/楕円 79"/>
-            <p:cNvSpPr/>
-            <p:nvPr/>
-          </p:nvSpPr>
-          <p:spPr>
-            <a:xfrm>
-              <a:off x="10034836" y="2348748"/>
-              <a:ext cx="450718" cy="426267"/>
-            </a:xfrm>
-            <a:prstGeom prst="ellipse">
-              <a:avLst/>
-            </a:prstGeom>
-            <a:noFill/>
-            <a:ln w="22225">
-              <a:solidFill>
-                <a:schemeClr val="tx1"/>
-              </a:solidFill>
-            </a:ln>
-          </p:spPr>
-          <p:style>
-            <a:lnRef idx="2">
-              <a:schemeClr val="accent1">
-                <a:shade val="50000"/>
-              </a:schemeClr>
-            </a:lnRef>
-            <a:fillRef idx="1">
-              <a:schemeClr val="accent1"/>
-            </a:fillRef>
-            <a:effectRef idx="0">
-              <a:schemeClr val="accent1"/>
-            </a:effectRef>
-            <a:fontRef idx="minor">
-              <a:schemeClr val="lt1"/>
-            </a:fontRef>
-          </p:style>
-          <p:txBody>
-            <a:bodyPr rtlCol="0" anchor="ctr"/>
-            <a:lstStyle/>
-            <a:p>
-              <a:pPr algn="ctr"/>
-              <a:endParaRPr kumimoji="1" lang="ja-JP" altLang="en-US" sz="1400" dirty="0">
-                <a:solidFill>
-                  <a:schemeClr val="tx1"/>
-                </a:solidFill>
-                <a:latin typeface="メイリオ" panose="020B0604030504040204" pitchFamily="50" charset="-128"/>
-                <a:ea typeface="メイリオ" panose="020B0604030504040204" pitchFamily="50" charset="-128"/>
-                <a:cs typeface="メイリオ" panose="020B0604030504040204" pitchFamily="50" charset="-128"/>
-              </a:endParaRPr>
-            </a:p>
-          </p:txBody>
-        </p:sp>
-        <p:cxnSp>
-          <p:nvCxnSpPr>
-            <p:cNvPr id="82" name="直線矢印コネクタ 81"/>
-            <p:cNvCxnSpPr/>
-            <p:nvPr/>
-          </p:nvCxnSpPr>
-          <p:spPr>
-            <a:xfrm>
-              <a:off x="9679402" y="2976819"/>
-              <a:ext cx="1122770" cy="0"/>
-            </a:xfrm>
-            <a:prstGeom prst="straightConnector1">
-              <a:avLst/>
-            </a:prstGeom>
-            <a:ln w="22225">
-              <a:solidFill>
-                <a:schemeClr val="tx1"/>
-              </a:solidFill>
-              <a:prstDash val="solid"/>
-              <a:tailEnd type="none" w="lg" len="lg"/>
-            </a:ln>
-          </p:spPr>
-          <p:style>
-            <a:lnRef idx="1">
-              <a:schemeClr val="accent1"/>
-            </a:lnRef>
-            <a:fillRef idx="0">
-              <a:schemeClr val="accent1"/>
-            </a:fillRef>
-            <a:effectRef idx="0">
-              <a:schemeClr val="accent1"/>
-            </a:effectRef>
-            <a:fontRef idx="minor">
-              <a:schemeClr val="tx1"/>
-            </a:fontRef>
-          </p:style>
-        </p:cxnSp>
-        <p:cxnSp>
-          <p:nvCxnSpPr>
-            <p:cNvPr id="84" name="直線矢印コネクタ 83"/>
-            <p:cNvCxnSpPr/>
-            <p:nvPr/>
-          </p:nvCxnSpPr>
-          <p:spPr>
-            <a:xfrm flipH="1">
-              <a:off x="10240787" y="2769771"/>
-              <a:ext cx="9648" cy="594178"/>
-            </a:xfrm>
-            <a:prstGeom prst="straightConnector1">
-              <a:avLst/>
-            </a:prstGeom>
-            <a:ln w="22225">
-              <a:solidFill>
-                <a:schemeClr val="tx1"/>
-              </a:solidFill>
-              <a:prstDash val="solid"/>
-              <a:tailEnd type="none" w="lg" len="lg"/>
-            </a:ln>
-          </p:spPr>
-          <p:style>
-            <a:lnRef idx="1">
-              <a:schemeClr val="accent1"/>
-            </a:lnRef>
-            <a:fillRef idx="0">
-              <a:schemeClr val="accent1"/>
-            </a:fillRef>
-            <a:effectRef idx="0">
-              <a:schemeClr val="accent1"/>
-            </a:effectRef>
-            <a:fontRef idx="minor">
-              <a:schemeClr val="tx1"/>
-            </a:fontRef>
-          </p:style>
-        </p:cxnSp>
-        <p:cxnSp>
-          <p:nvCxnSpPr>
-            <p:cNvPr id="85" name="直線矢印コネクタ 84"/>
-            <p:cNvCxnSpPr/>
-            <p:nvPr/>
-          </p:nvCxnSpPr>
-          <p:spPr>
-            <a:xfrm flipV="1">
-              <a:off x="9878857" y="3346391"/>
-              <a:ext cx="359454" cy="431057"/>
-            </a:xfrm>
-            <a:prstGeom prst="straightConnector1">
-              <a:avLst/>
-            </a:prstGeom>
-            <a:ln w="22225">
-              <a:solidFill>
-                <a:schemeClr val="tx1"/>
-              </a:solidFill>
-              <a:prstDash val="solid"/>
-              <a:tailEnd type="none" w="lg" len="lg"/>
-            </a:ln>
-          </p:spPr>
-          <p:style>
-            <a:lnRef idx="1">
-              <a:schemeClr val="accent1"/>
-            </a:lnRef>
-            <a:fillRef idx="0">
-              <a:schemeClr val="accent1"/>
-            </a:fillRef>
-            <a:effectRef idx="0">
-              <a:schemeClr val="accent1"/>
-            </a:effectRef>
-            <a:fontRef idx="minor">
-              <a:schemeClr val="tx1"/>
-            </a:fontRef>
-          </p:style>
-        </p:cxnSp>
-        <p:cxnSp>
-          <p:nvCxnSpPr>
-            <p:cNvPr id="86" name="直線矢印コネクタ 85"/>
-            <p:cNvCxnSpPr/>
-            <p:nvPr/>
-          </p:nvCxnSpPr>
-          <p:spPr>
-            <a:xfrm>
-              <a:off x="10242823" y="3344669"/>
-              <a:ext cx="354380" cy="440703"/>
-            </a:xfrm>
-            <a:prstGeom prst="straightConnector1">
-              <a:avLst/>
-            </a:prstGeom>
-            <a:ln w="22225">
-              <a:solidFill>
-                <a:schemeClr val="tx1"/>
-              </a:solidFill>
-              <a:prstDash val="solid"/>
-              <a:tailEnd type="none" w="lg" len="lg"/>
-            </a:ln>
-          </p:spPr>
-          <p:style>
-            <a:lnRef idx="1">
-              <a:schemeClr val="accent1"/>
-            </a:lnRef>
-            <a:fillRef idx="0">
-              <a:schemeClr val="accent1"/>
-            </a:fillRef>
-            <a:effectRef idx="0">
-              <a:schemeClr val="accent1"/>
-            </a:effectRef>
-            <a:fontRef idx="minor">
-              <a:schemeClr val="tx1"/>
-            </a:fontRef>
-          </p:style>
-        </p:cxnSp>
-      </p:grpSp>
       <p:sp>
         <p:nvSpPr>
           <p:cNvPr id="87" name="正方形/長方形 86"/>
@@ -4961,7 +4727,7 @@
         </p:nvSpPr>
         <p:spPr>
           <a:xfrm>
-            <a:off x="10048627" y="5899396"/>
+            <a:off x="583430" y="4470447"/>
             <a:ext cx="1385739" cy="333862"/>
           </a:xfrm>
           <a:prstGeom prst="rect">
@@ -5025,7 +4791,7 @@
         </p:nvCxnSpPr>
         <p:spPr>
           <a:xfrm flipV="1">
-            <a:off x="2030011" y="3332249"/>
+            <a:off x="2030011" y="3541572"/>
             <a:ext cx="2488737" cy="34740"/>
           </a:xfrm>
           <a:prstGeom prst="straightConnector1">
@@ -5058,14 +4824,14 @@
         <p:nvCxnSpPr>
           <p:cNvPr id="91" name="直線矢印コネクタ 90"/>
           <p:cNvCxnSpPr>
-            <a:endCxn id="47" idx="2"/>
+            <a:endCxn id="52" idx="2"/>
           </p:cNvCxnSpPr>
           <p:nvPr/>
         </p:nvCxnSpPr>
         <p:spPr>
           <a:xfrm>
-            <a:off x="2030011" y="3366989"/>
-            <a:ext cx="2455869" cy="930826"/>
+            <a:off x="2026084" y="3573311"/>
+            <a:ext cx="2492663" cy="1711607"/>
           </a:xfrm>
           <a:prstGeom prst="straightConnector1">
             <a:avLst/>
@@ -5096,13 +4862,15 @@
       <p:cxnSp>
         <p:nvCxnSpPr>
           <p:cNvPr id="94" name="直線矢印コネクタ 93"/>
-          <p:cNvCxnSpPr/>
+          <p:cNvCxnSpPr>
+            <a:stCxn id="47" idx="6"/>
+          </p:cNvCxnSpPr>
           <p:nvPr/>
         </p:nvCxnSpPr>
         <p:spPr>
           <a:xfrm>
-            <a:off x="7190310" y="4315184"/>
-            <a:ext cx="2929050" cy="896168"/>
+            <a:off x="7188202" y="4396968"/>
+            <a:ext cx="2817964" cy="404015"/>
           </a:xfrm>
           <a:prstGeom prst="straightConnector1">
             <a:avLst/>
@@ -5140,8 +4908,8 @@
         </p:nvCxnSpPr>
         <p:spPr>
           <a:xfrm flipV="1">
-            <a:off x="7221070" y="5218815"/>
-            <a:ext cx="2898290" cy="1"/>
+            <a:off x="7221070" y="4800983"/>
+            <a:ext cx="2814205" cy="483935"/>
           </a:xfrm>
           <a:prstGeom prst="straightConnector1">
             <a:avLst/>
@@ -5172,13 +4940,15 @@
       <p:cxnSp>
         <p:nvCxnSpPr>
           <p:cNvPr id="102" name="直線矢印コネクタ 101"/>
-          <p:cNvCxnSpPr/>
+          <p:cNvCxnSpPr>
+            <a:stCxn id="56" idx="6"/>
+          </p:cNvCxnSpPr>
           <p:nvPr/>
         </p:nvCxnSpPr>
         <p:spPr>
           <a:xfrm flipV="1">
-            <a:off x="7221070" y="5213859"/>
-            <a:ext cx="2925854" cy="927429"/>
+            <a:off x="7221070" y="4811018"/>
+            <a:ext cx="2814205" cy="1336352"/>
           </a:xfrm>
           <a:prstGeom prst="straightConnector1">
             <a:avLst/>
@@ -5206,6 +4976,598 @@
           </a:fontRef>
         </p:style>
       </p:cxnSp>
+      <p:sp>
+        <p:nvSpPr>
+          <p:cNvPr id="42" name="円/楕円 41"/>
+          <p:cNvSpPr/>
+          <p:nvPr/>
+        </p:nvSpPr>
+        <p:spPr>
+          <a:xfrm>
+            <a:off x="4518748" y="1520283"/>
+            <a:ext cx="2702322" cy="651989"/>
+          </a:xfrm>
+          <a:prstGeom prst="ellipse">
+            <a:avLst/>
+          </a:prstGeom>
+          <a:noFill/>
+          <a:ln w="12700">
+            <a:solidFill>
+              <a:schemeClr val="tx1"/>
+            </a:solidFill>
+          </a:ln>
+        </p:spPr>
+        <p:style>
+          <a:lnRef idx="2">
+            <a:schemeClr val="accent1">
+              <a:shade val="50000"/>
+            </a:schemeClr>
+          </a:lnRef>
+          <a:fillRef idx="1">
+            <a:schemeClr val="accent1"/>
+          </a:fillRef>
+          <a:effectRef idx="0">
+            <a:schemeClr val="accent1"/>
+          </a:effectRef>
+          <a:fontRef idx="minor">
+            <a:schemeClr val="lt1"/>
+          </a:fontRef>
+        </p:style>
+        <p:txBody>
+          <a:bodyPr rtlCol="0" anchor="ctr"/>
+          <a:lstStyle/>
+          <a:p>
+            <a:pPr algn="ctr"/>
+            <a:r>
+              <a:rPr lang="ja-JP" altLang="en-US" sz="1400" dirty="0" smtClean="0">
+                <a:solidFill>
+                  <a:schemeClr val="tx1"/>
+                </a:solidFill>
+                <a:latin typeface="メイリオ" panose="020B0604030504040204" pitchFamily="50" charset="-128"/>
+                <a:ea typeface="メイリオ" panose="020B0604030504040204" pitchFamily="50" charset="-128"/>
+                <a:cs typeface="メイリオ" panose="020B0604030504040204" pitchFamily="50" charset="-128"/>
+              </a:rPr>
+              <a:t>ログイン機能</a:t>
+            </a:r>
+            <a:endParaRPr kumimoji="1" lang="ja-JP" altLang="en-US" sz="1400" dirty="0">
+              <a:solidFill>
+                <a:schemeClr val="tx1"/>
+              </a:solidFill>
+              <a:latin typeface="メイリオ" panose="020B0604030504040204" pitchFamily="50" charset="-128"/>
+              <a:ea typeface="メイリオ" panose="020B0604030504040204" pitchFamily="50" charset="-128"/>
+              <a:cs typeface="メイリオ" panose="020B0604030504040204" pitchFamily="50" charset="-128"/>
+            </a:endParaRPr>
+          </a:p>
+        </p:txBody>
+      </p:sp>
+      <p:cxnSp>
+        <p:nvCxnSpPr>
+          <p:cNvPr id="45" name="直線矢印コネクタ 44"/>
+          <p:cNvCxnSpPr>
+            <a:endCxn id="42" idx="2"/>
+          </p:cNvCxnSpPr>
+          <p:nvPr/>
+        </p:nvCxnSpPr>
+        <p:spPr>
+          <a:xfrm flipV="1">
+            <a:off x="2030011" y="1846278"/>
+            <a:ext cx="2488737" cy="1730034"/>
+          </a:xfrm>
+          <a:prstGeom prst="straightConnector1">
+            <a:avLst/>
+          </a:prstGeom>
+          <a:ln w="19050">
+            <a:solidFill>
+              <a:schemeClr val="tx1"/>
+            </a:solidFill>
+            <a:prstDash val="solid"/>
+            <a:tailEnd type="none" w="lg" len="lg"/>
+          </a:ln>
+        </p:spPr>
+        <p:style>
+          <a:lnRef idx="1">
+            <a:schemeClr val="accent1"/>
+          </a:lnRef>
+          <a:fillRef idx="0">
+            <a:schemeClr val="accent1"/>
+          </a:fillRef>
+          <a:effectRef idx="0">
+            <a:schemeClr val="accent1"/>
+          </a:effectRef>
+          <a:fontRef idx="minor">
+            <a:schemeClr val="tx1"/>
+          </a:fontRef>
+        </p:style>
+      </p:cxnSp>
+      <p:cxnSp>
+        <p:nvCxnSpPr>
+          <p:cNvPr id="49" name="直線矢印コネクタ 48"/>
+          <p:cNvCxnSpPr>
+            <a:stCxn id="51" idx="6"/>
+          </p:cNvCxnSpPr>
+          <p:nvPr/>
+        </p:nvCxnSpPr>
+        <p:spPr>
+          <a:xfrm>
+            <a:off x="7221070" y="3541572"/>
+            <a:ext cx="2785096" cy="1269446"/>
+          </a:xfrm>
+          <a:prstGeom prst="straightConnector1">
+            <a:avLst/>
+          </a:prstGeom>
+          <a:ln w="19050">
+            <a:solidFill>
+              <a:schemeClr val="tx1"/>
+            </a:solidFill>
+            <a:prstDash val="solid"/>
+            <a:tailEnd type="none" w="lg" len="lg"/>
+          </a:ln>
+        </p:spPr>
+        <p:style>
+          <a:lnRef idx="1">
+            <a:schemeClr val="accent1"/>
+          </a:lnRef>
+          <a:fillRef idx="0">
+            <a:schemeClr val="accent1"/>
+          </a:fillRef>
+          <a:effectRef idx="0">
+            <a:schemeClr val="accent1"/>
+          </a:effectRef>
+          <a:fontRef idx="minor">
+            <a:schemeClr val="tx1"/>
+          </a:fontRef>
+        </p:style>
+      </p:cxnSp>
+      <p:cxnSp>
+        <p:nvCxnSpPr>
+          <p:cNvPr id="53" name="直線矢印コネクタ 52"/>
+          <p:cNvCxnSpPr>
+            <a:stCxn id="88" idx="6"/>
+          </p:cNvCxnSpPr>
+          <p:nvPr/>
+        </p:nvCxnSpPr>
+        <p:spPr>
+          <a:xfrm>
+            <a:off x="7221070" y="2686175"/>
+            <a:ext cx="2814205" cy="2117985"/>
+          </a:xfrm>
+          <a:prstGeom prst="straightConnector1">
+            <a:avLst/>
+          </a:prstGeom>
+          <a:ln w="19050">
+            <a:solidFill>
+              <a:schemeClr val="tx1"/>
+            </a:solidFill>
+            <a:prstDash val="solid"/>
+            <a:tailEnd type="none" w="lg" len="lg"/>
+          </a:ln>
+        </p:spPr>
+        <p:style>
+          <a:lnRef idx="1">
+            <a:schemeClr val="accent1"/>
+          </a:lnRef>
+          <a:fillRef idx="0">
+            <a:schemeClr val="accent1"/>
+          </a:fillRef>
+          <a:effectRef idx="0">
+            <a:schemeClr val="accent1"/>
+          </a:effectRef>
+          <a:fontRef idx="minor">
+            <a:schemeClr val="tx1"/>
+          </a:fontRef>
+        </p:style>
+      </p:cxnSp>
+      <p:cxnSp>
+        <p:nvCxnSpPr>
+          <p:cNvPr id="55" name="直線矢印コネクタ 54"/>
+          <p:cNvCxnSpPr>
+            <a:stCxn id="42" idx="6"/>
+          </p:cNvCxnSpPr>
+          <p:nvPr/>
+        </p:nvCxnSpPr>
+        <p:spPr>
+          <a:xfrm>
+            <a:off x="7221070" y="1846278"/>
+            <a:ext cx="2814205" cy="2946781"/>
+          </a:xfrm>
+          <a:prstGeom prst="straightConnector1">
+            <a:avLst/>
+          </a:prstGeom>
+          <a:ln w="19050">
+            <a:solidFill>
+              <a:schemeClr val="tx1"/>
+            </a:solidFill>
+            <a:prstDash val="solid"/>
+            <a:tailEnd type="none" w="lg" len="lg"/>
+          </a:ln>
+        </p:spPr>
+        <p:style>
+          <a:lnRef idx="1">
+            <a:schemeClr val="accent1"/>
+          </a:lnRef>
+          <a:fillRef idx="0">
+            <a:schemeClr val="accent1"/>
+          </a:fillRef>
+          <a:effectRef idx="0">
+            <a:schemeClr val="accent1"/>
+          </a:effectRef>
+          <a:fontRef idx="minor">
+            <a:schemeClr val="tx1"/>
+          </a:fontRef>
+        </p:style>
+      </p:cxnSp>
+      <p:sp>
+        <p:nvSpPr>
+          <p:cNvPr id="68" name="円柱 67"/>
+          <p:cNvSpPr/>
+          <p:nvPr/>
+        </p:nvSpPr>
+        <p:spPr>
+          <a:xfrm>
+            <a:off x="10027240" y="4222268"/>
+            <a:ext cx="1713917" cy="1136723"/>
+          </a:xfrm>
+          <a:prstGeom prst="can">
+            <a:avLst/>
+          </a:prstGeom>
+          <a:noFill/>
+          <a:ln>
+            <a:solidFill>
+              <a:schemeClr val="tx1"/>
+            </a:solidFill>
+          </a:ln>
+        </p:spPr>
+        <p:style>
+          <a:lnRef idx="2">
+            <a:schemeClr val="accent1">
+              <a:shade val="50000"/>
+            </a:schemeClr>
+          </a:lnRef>
+          <a:fillRef idx="1">
+            <a:schemeClr val="accent1"/>
+          </a:fillRef>
+          <a:effectRef idx="0">
+            <a:schemeClr val="accent1"/>
+          </a:effectRef>
+          <a:fontRef idx="minor">
+            <a:schemeClr val="lt1"/>
+          </a:fontRef>
+        </p:style>
+        <p:txBody>
+          <a:bodyPr rtlCol="0" anchor="ctr"/>
+          <a:lstStyle/>
+          <a:p>
+            <a:pPr algn="ctr"/>
+            <a:endParaRPr kumimoji="1" lang="ja-JP" altLang="en-US"/>
+          </a:p>
+        </p:txBody>
+      </p:sp>
+      <p:sp>
+        <p:nvSpPr>
+          <p:cNvPr id="69" name="正方形/長方形 68"/>
+          <p:cNvSpPr/>
+          <p:nvPr/>
+        </p:nvSpPr>
+        <p:spPr>
+          <a:xfrm>
+            <a:off x="10060502" y="4750897"/>
+            <a:ext cx="1680882" cy="333862"/>
+          </a:xfrm>
+          <a:prstGeom prst="rect">
+            <a:avLst/>
+          </a:prstGeom>
+          <a:noFill/>
+          <a:ln>
+            <a:noFill/>
+          </a:ln>
+        </p:spPr>
+        <p:style>
+          <a:lnRef idx="2">
+            <a:schemeClr val="accent1">
+              <a:shade val="50000"/>
+            </a:schemeClr>
+          </a:lnRef>
+          <a:fillRef idx="1">
+            <a:schemeClr val="accent1"/>
+          </a:fillRef>
+          <a:effectRef idx="0">
+            <a:schemeClr val="accent1"/>
+          </a:effectRef>
+          <a:fontRef idx="minor">
+            <a:schemeClr val="lt1"/>
+          </a:fontRef>
+        </p:style>
+        <p:txBody>
+          <a:bodyPr rtlCol="0" anchor="ctr"/>
+          <a:lstStyle/>
+          <a:p>
+            <a:pPr algn="ctr"/>
+            <a:r>
+              <a:rPr kumimoji="1" lang="ja-JP" altLang="en-US" sz="1400" dirty="0" smtClean="0">
+                <a:solidFill>
+                  <a:schemeClr val="tx1"/>
+                </a:solidFill>
+                <a:latin typeface="メイリオ" panose="020B0604030504040204" pitchFamily="50" charset="-128"/>
+                <a:ea typeface="メイリオ" panose="020B0604030504040204" pitchFamily="50" charset="-128"/>
+                <a:cs typeface="メイリオ" panose="020B0604030504040204" pitchFamily="50" charset="-128"/>
+              </a:rPr>
+              <a:t>データベース</a:t>
+            </a:r>
+            <a:endParaRPr kumimoji="1" lang="ja-JP" altLang="en-US" sz="1400" dirty="0">
+              <a:solidFill>
+                <a:schemeClr val="tx1"/>
+              </a:solidFill>
+              <a:latin typeface="メイリオ" panose="020B0604030504040204" pitchFamily="50" charset="-128"/>
+              <a:ea typeface="メイリオ" panose="020B0604030504040204" pitchFamily="50" charset="-128"/>
+              <a:cs typeface="メイリオ" panose="020B0604030504040204" pitchFamily="50" charset="-128"/>
+            </a:endParaRPr>
+          </a:p>
+        </p:txBody>
+      </p:sp>
+      <p:cxnSp>
+        <p:nvCxnSpPr>
+          <p:cNvPr id="71" name="直線矢印コネクタ 70"/>
+          <p:cNvCxnSpPr>
+            <a:endCxn id="47" idx="2"/>
+          </p:cNvCxnSpPr>
+          <p:nvPr/>
+        </p:nvCxnSpPr>
+        <p:spPr>
+          <a:xfrm>
+            <a:off x="2034159" y="3578819"/>
+            <a:ext cx="2451721" cy="818149"/>
+          </a:xfrm>
+          <a:prstGeom prst="straightConnector1">
+            <a:avLst/>
+          </a:prstGeom>
+          <a:ln w="19050">
+            <a:solidFill>
+              <a:schemeClr val="tx1"/>
+            </a:solidFill>
+            <a:prstDash val="solid"/>
+            <a:tailEnd type="none" w="lg" len="lg"/>
+          </a:ln>
+        </p:spPr>
+        <p:style>
+          <a:lnRef idx="1">
+            <a:schemeClr val="accent1"/>
+          </a:lnRef>
+          <a:fillRef idx="0">
+            <a:schemeClr val="accent1"/>
+          </a:fillRef>
+          <a:effectRef idx="0">
+            <a:schemeClr val="accent1"/>
+          </a:effectRef>
+          <a:fontRef idx="minor">
+            <a:schemeClr val="tx1"/>
+          </a:fontRef>
+        </p:style>
+      </p:cxnSp>
+      <p:cxnSp>
+        <p:nvCxnSpPr>
+          <p:cNvPr id="74" name="直線矢印コネクタ 73"/>
+          <p:cNvCxnSpPr>
+            <a:endCxn id="56" idx="2"/>
+          </p:cNvCxnSpPr>
+          <p:nvPr/>
+        </p:nvCxnSpPr>
+        <p:spPr>
+          <a:xfrm>
+            <a:off x="2013085" y="3578819"/>
+            <a:ext cx="2505662" cy="2568551"/>
+          </a:xfrm>
+          <a:prstGeom prst="straightConnector1">
+            <a:avLst/>
+          </a:prstGeom>
+          <a:ln w="19050">
+            <a:solidFill>
+              <a:schemeClr val="tx1"/>
+            </a:solidFill>
+            <a:prstDash val="solid"/>
+            <a:tailEnd type="none" w="lg" len="lg"/>
+          </a:ln>
+        </p:spPr>
+        <p:style>
+          <a:lnRef idx="1">
+            <a:schemeClr val="accent1"/>
+          </a:lnRef>
+          <a:fillRef idx="0">
+            <a:schemeClr val="accent1"/>
+          </a:fillRef>
+          <a:effectRef idx="0">
+            <a:schemeClr val="accent1"/>
+          </a:effectRef>
+          <a:fontRef idx="minor">
+            <a:schemeClr val="tx1"/>
+          </a:fontRef>
+        </p:style>
+      </p:cxnSp>
+      <p:sp>
+        <p:nvSpPr>
+          <p:cNvPr id="61" name="正方形/長方形 60"/>
+          <p:cNvSpPr/>
+          <p:nvPr/>
+        </p:nvSpPr>
+        <p:spPr>
+          <a:xfrm>
+            <a:off x="10116782" y="363073"/>
+            <a:ext cx="1875165" cy="213497"/>
+          </a:xfrm>
+          <a:prstGeom prst="rect">
+            <a:avLst/>
+          </a:prstGeom>
+          <a:noFill/>
+          <a:ln>
+            <a:noFill/>
+          </a:ln>
+        </p:spPr>
+        <p:style>
+          <a:lnRef idx="2">
+            <a:schemeClr val="accent1">
+              <a:shade val="50000"/>
+            </a:schemeClr>
+          </a:lnRef>
+          <a:fillRef idx="1">
+            <a:schemeClr val="accent1"/>
+          </a:fillRef>
+          <a:effectRef idx="0">
+            <a:schemeClr val="accent1"/>
+          </a:effectRef>
+          <a:fontRef idx="minor">
+            <a:schemeClr val="lt1"/>
+          </a:fontRef>
+        </p:style>
+        <p:txBody>
+          <a:bodyPr rtlCol="0" anchor="t"/>
+          <a:lstStyle/>
+          <a:p>
+            <a:pPr algn="ctr"/>
+            <a:r>
+              <a:rPr lang="en-US" altLang="ja-JP" sz="1100" dirty="0" smtClean="0">
+                <a:solidFill>
+                  <a:schemeClr val="tx1"/>
+                </a:solidFill>
+                <a:latin typeface="メイリオ" panose="020B0604030504040204" pitchFamily="50" charset="-128"/>
+                <a:ea typeface="メイリオ" panose="020B0604030504040204" pitchFamily="50" charset="-128"/>
+                <a:cs typeface="メイリオ" panose="020B0604030504040204" pitchFamily="50" charset="-128"/>
+              </a:rPr>
+              <a:t>2017/10/25</a:t>
+            </a:r>
+            <a:endParaRPr kumimoji="1" lang="ja-JP" altLang="en-US" sz="1100" dirty="0">
+              <a:solidFill>
+                <a:schemeClr val="tx1"/>
+              </a:solidFill>
+              <a:latin typeface="メイリオ" panose="020B0604030504040204" pitchFamily="50" charset="-128"/>
+              <a:ea typeface="メイリオ" panose="020B0604030504040204" pitchFamily="50" charset="-128"/>
+              <a:cs typeface="メイリオ" panose="020B0604030504040204" pitchFamily="50" charset="-128"/>
+            </a:endParaRPr>
+          </a:p>
+        </p:txBody>
+      </p:sp>
+      <p:sp>
+        <p:nvSpPr>
+          <p:cNvPr id="62" name="正方形/長方形 61"/>
+          <p:cNvSpPr/>
+          <p:nvPr/>
+        </p:nvSpPr>
+        <p:spPr>
+          <a:xfrm>
+            <a:off x="9452056" y="116030"/>
+            <a:ext cx="318028" cy="270973"/>
+          </a:xfrm>
+          <a:prstGeom prst="rect">
+            <a:avLst/>
+          </a:prstGeom>
+          <a:noFill/>
+          <a:ln>
+            <a:noFill/>
+          </a:ln>
+        </p:spPr>
+        <p:style>
+          <a:lnRef idx="2">
+            <a:schemeClr val="accent1">
+              <a:shade val="50000"/>
+            </a:schemeClr>
+          </a:lnRef>
+          <a:fillRef idx="1">
+            <a:schemeClr val="accent1"/>
+          </a:fillRef>
+          <a:effectRef idx="0">
+            <a:schemeClr val="accent1"/>
+          </a:effectRef>
+          <a:fontRef idx="minor">
+            <a:schemeClr val="lt1"/>
+          </a:fontRef>
+        </p:style>
+        <p:txBody>
+          <a:bodyPr rtlCol="0" anchor="t"/>
+          <a:lstStyle/>
+          <a:p>
+            <a:pPr algn="ctr"/>
+            <a:r>
+              <a:rPr lang="en-US" altLang="ja-JP" sz="1100" dirty="0" smtClean="0">
+                <a:solidFill>
+                  <a:schemeClr val="tx1"/>
+                </a:solidFill>
+                <a:latin typeface="メイリオ" panose="020B0604030504040204" pitchFamily="50" charset="-128"/>
+                <a:ea typeface="メイリオ" panose="020B0604030504040204" pitchFamily="50" charset="-128"/>
+                <a:cs typeface="メイリオ" panose="020B0604030504040204" pitchFamily="50" charset="-128"/>
+              </a:rPr>
+              <a:t>1</a:t>
+            </a:r>
+            <a:endParaRPr kumimoji="1" lang="ja-JP" altLang="en-US" sz="1100" dirty="0">
+              <a:solidFill>
+                <a:schemeClr val="tx1"/>
+              </a:solidFill>
+              <a:latin typeface="メイリオ" panose="020B0604030504040204" pitchFamily="50" charset="-128"/>
+              <a:ea typeface="メイリオ" panose="020B0604030504040204" pitchFamily="50" charset="-128"/>
+              <a:cs typeface="メイリオ" panose="020B0604030504040204" pitchFamily="50" charset="-128"/>
+            </a:endParaRPr>
+          </a:p>
+        </p:txBody>
+      </p:sp>
+      <p:sp>
+        <p:nvSpPr>
+          <p:cNvPr id="64" name="正方形/長方形 63"/>
+          <p:cNvSpPr/>
+          <p:nvPr/>
+        </p:nvSpPr>
+        <p:spPr>
+          <a:xfrm>
+            <a:off x="9450218" y="400634"/>
+            <a:ext cx="318028" cy="270973"/>
+          </a:xfrm>
+          <a:prstGeom prst="rect">
+            <a:avLst/>
+          </a:prstGeom>
+          <a:noFill/>
+          <a:ln>
+            <a:noFill/>
+          </a:ln>
+        </p:spPr>
+        <p:style>
+          <a:lnRef idx="2">
+            <a:schemeClr val="accent1">
+              <a:shade val="50000"/>
+            </a:schemeClr>
+          </a:lnRef>
+          <a:fillRef idx="1">
+            <a:schemeClr val="accent1"/>
+          </a:fillRef>
+          <a:effectRef idx="0">
+            <a:schemeClr val="accent1"/>
+          </a:effectRef>
+          <a:fontRef idx="minor">
+            <a:schemeClr val="lt1"/>
+          </a:fontRef>
+        </p:style>
+        <p:txBody>
+          <a:bodyPr rtlCol="0" anchor="t"/>
+          <a:lstStyle/>
+          <a:p>
+            <a:pPr algn="ctr"/>
+            <a:r>
+              <a:rPr lang="en-US" altLang="ja-JP" sz="1100" dirty="0" smtClean="0">
+                <a:solidFill>
+                  <a:schemeClr val="tx1"/>
+                </a:solidFill>
+                <a:latin typeface="メイリオ" panose="020B0604030504040204" pitchFamily="50" charset="-128"/>
+                <a:ea typeface="メイリオ" panose="020B0604030504040204" pitchFamily="50" charset="-128"/>
+                <a:cs typeface="メイリオ" panose="020B0604030504040204" pitchFamily="50" charset="-128"/>
+              </a:rPr>
+              <a:t>1</a:t>
+            </a:r>
+            <a:endParaRPr kumimoji="1" lang="ja-JP" altLang="en-US" sz="1100" dirty="0">
+              <a:solidFill>
+                <a:schemeClr val="tx1"/>
+              </a:solidFill>
+              <a:latin typeface="メイリオ" panose="020B0604030504040204" pitchFamily="50" charset="-128"/>
+              <a:ea typeface="メイリオ" panose="020B0604030504040204" pitchFamily="50" charset="-128"/>
+              <a:cs typeface="メイリオ" panose="020B0604030504040204" pitchFamily="50" charset="-128"/>
+            </a:endParaRPr>
+          </a:p>
+        </p:txBody>
+      </p:sp>
     </p:spTree>
     <p:extLst>
       <p:ext uri="{BB962C8B-B14F-4D97-AF65-F5344CB8AC3E}">
@@ -5292,7 +5654,7 @@
                 <a:ea typeface="メイリオ" panose="020B0604030504040204" pitchFamily="50" charset="-128"/>
                 <a:cs typeface="メイリオ" panose="020B0604030504040204" pitchFamily="50" charset="-128"/>
               </a:rPr>
-              <a:t>データベース掲示板</a:t>
+              <a:t>社員情報管理システム</a:t>
             </a:r>
             <a:endParaRPr kumimoji="1" lang="ja-JP" altLang="en-US" sz="2000" dirty="0">
               <a:solidFill>
@@ -6032,7 +6394,7 @@
         <p:spPr>
           <a:xfrm>
             <a:off x="4677378" y="1080423"/>
-            <a:ext cx="2027453" cy="333862"/>
+            <a:ext cx="2406468" cy="333862"/>
           </a:xfrm>
           <a:prstGeom prst="rect">
             <a:avLst/>
@@ -6063,6 +6425,28 @@
           <a:lstStyle/>
           <a:p>
             <a:pPr algn="ctr"/>
+            <a:r>
+              <a:rPr lang="ja-JP" altLang="en-US" sz="1600" dirty="0" smtClean="0">
+                <a:solidFill>
+                  <a:schemeClr val="tx1"/>
+                </a:solidFill>
+                <a:latin typeface="メイリオ" panose="020B0604030504040204" pitchFamily="50" charset="-128"/>
+                <a:ea typeface="メイリオ" panose="020B0604030504040204" pitchFamily="50" charset="-128"/>
+                <a:cs typeface="メイリオ" panose="020B0604030504040204" pitchFamily="50" charset="-128"/>
+              </a:rPr>
+              <a:t>社員情報</a:t>
+            </a:r>
+            <a:r>
+              <a:rPr lang="ja-JP" altLang="en-US" sz="1600" dirty="0">
+                <a:solidFill>
+                  <a:schemeClr val="tx1"/>
+                </a:solidFill>
+                <a:latin typeface="メイリオ" panose="020B0604030504040204" pitchFamily="50" charset="-128"/>
+                <a:ea typeface="メイリオ" panose="020B0604030504040204" pitchFamily="50" charset="-128"/>
+                <a:cs typeface="メイリオ" panose="020B0604030504040204" pitchFamily="50" charset="-128"/>
+              </a:rPr>
+              <a:t>管理</a:t>
+            </a:r>
             <a:r>
               <a:rPr kumimoji="1" lang="ja-JP" altLang="en-US" sz="1600" dirty="0" smtClean="0">
                 <a:solidFill>
@@ -6072,7 +6456,7 @@
                 <a:ea typeface="メイリオ" panose="020B0604030504040204" pitchFamily="50" charset="-128"/>
                 <a:cs typeface="メイリオ" panose="020B0604030504040204" pitchFamily="50" charset="-128"/>
               </a:rPr>
-              <a:t>掲示板システム</a:t>
+              <a:t>システム</a:t>
             </a:r>
             <a:endParaRPr kumimoji="1" lang="ja-JP" altLang="en-US" sz="1600" dirty="0">
               <a:solidFill>
@@ -6093,7 +6477,7 @@
         </p:nvSpPr>
         <p:spPr>
           <a:xfrm>
-            <a:off x="4518748" y="2040688"/>
+            <a:off x="4518748" y="2360180"/>
             <a:ext cx="2702322" cy="651989"/>
           </a:xfrm>
           <a:prstGeom prst="ellipse">
@@ -6128,7 +6512,7 @@
           <a:p>
             <a:pPr algn="ctr"/>
             <a:r>
-              <a:rPr lang="ja-JP" altLang="en-US" sz="1400" dirty="0" smtClean="0">
+              <a:rPr lang="zh-TW" altLang="en-US" sz="1400" dirty="0">
                 <a:solidFill>
                   <a:schemeClr val="tx1"/>
                 </a:solidFill>
@@ -6136,7 +6520,18 @@
                 <a:ea typeface="メイリオ" panose="020B0604030504040204" pitchFamily="50" charset="-128"/>
                 <a:cs typeface="メイリオ" panose="020B0604030504040204" pitchFamily="50" charset="-128"/>
               </a:rPr>
-              <a:t>新規投稿機能</a:t>
+              <a:t>社員情報</a:t>
+            </a:r>
+            <a:r>
+              <a:rPr lang="zh-TW" altLang="en-US" sz="1400" dirty="0" smtClean="0">
+                <a:solidFill>
+                  <a:schemeClr val="tx1"/>
+                </a:solidFill>
+                <a:latin typeface="メイリオ" panose="020B0604030504040204" pitchFamily="50" charset="-128"/>
+                <a:ea typeface="メイリオ" panose="020B0604030504040204" pitchFamily="50" charset="-128"/>
+                <a:cs typeface="メイリオ" panose="020B0604030504040204" pitchFamily="50" charset="-128"/>
+              </a:rPr>
+              <a:t>検索機能</a:t>
             </a:r>
             <a:endParaRPr kumimoji="1" lang="ja-JP" altLang="en-US" sz="1400" dirty="0">
               <a:solidFill>
@@ -6159,8 +6554,8 @@
         </p:nvCxnSpPr>
         <p:spPr>
           <a:xfrm flipV="1">
-            <a:off x="2081831" y="2366683"/>
-            <a:ext cx="2436917" cy="702341"/>
+            <a:off x="2038227" y="2686175"/>
+            <a:ext cx="2480521" cy="892644"/>
           </a:xfrm>
           <a:prstGeom prst="straightConnector1">
             <a:avLst/>
@@ -6190,75 +6585,13 @@
       </p:cxnSp>
       <p:sp>
         <p:nvSpPr>
-          <p:cNvPr id="143" name="正方形/長方形 142"/>
-          <p:cNvSpPr/>
-          <p:nvPr/>
-        </p:nvSpPr>
-        <p:spPr>
-          <a:xfrm>
-            <a:off x="709415" y="3584852"/>
-            <a:ext cx="1385739" cy="333862"/>
-          </a:xfrm>
-          <a:prstGeom prst="rect">
-            <a:avLst/>
-          </a:prstGeom>
-          <a:noFill/>
-          <a:ln>
-            <a:noFill/>
-          </a:ln>
-        </p:spPr>
-        <p:style>
-          <a:lnRef idx="2">
-            <a:schemeClr val="accent1">
-              <a:shade val="50000"/>
-            </a:schemeClr>
-          </a:lnRef>
-          <a:fillRef idx="1">
-            <a:schemeClr val="accent1"/>
-          </a:fillRef>
-          <a:effectRef idx="0">
-            <a:schemeClr val="accent1"/>
-          </a:effectRef>
-          <a:fontRef idx="minor">
-            <a:schemeClr val="lt1"/>
-          </a:fontRef>
-        </p:style>
-        <p:txBody>
-          <a:bodyPr rtlCol="0" anchor="ctr"/>
-          <a:lstStyle/>
-          <a:p>
-            <a:pPr algn="ctr"/>
-            <a:r>
-              <a:rPr kumimoji="1" lang="ja-JP" altLang="en-US" sz="1400" dirty="0" smtClean="0">
-                <a:solidFill>
-                  <a:schemeClr val="tx1"/>
-                </a:solidFill>
-                <a:latin typeface="メイリオ" panose="020B0604030504040204" pitchFamily="50" charset="-128"/>
-                <a:ea typeface="メイリオ" panose="020B0604030504040204" pitchFamily="50" charset="-128"/>
-                <a:cs typeface="メイリオ" panose="020B0604030504040204" pitchFamily="50" charset="-128"/>
-              </a:rPr>
-              <a:t>利用者</a:t>
-            </a:r>
-            <a:endParaRPr kumimoji="1" lang="ja-JP" altLang="en-US" sz="1400" dirty="0">
-              <a:solidFill>
-                <a:schemeClr val="tx1"/>
-              </a:solidFill>
-              <a:latin typeface="メイリオ" panose="020B0604030504040204" pitchFamily="50" charset="-128"/>
-              <a:ea typeface="メイリオ" panose="020B0604030504040204" pitchFamily="50" charset="-128"/>
-              <a:cs typeface="メイリオ" panose="020B0604030504040204" pitchFamily="50" charset="-128"/>
-            </a:endParaRPr>
-          </a:p>
-        </p:txBody>
-      </p:sp>
-      <p:sp>
-        <p:nvSpPr>
           <p:cNvPr id="47" name="円/楕円 46"/>
           <p:cNvSpPr/>
           <p:nvPr/>
         </p:nvSpPr>
         <p:spPr>
           <a:xfrm>
-            <a:off x="4485880" y="3971820"/>
+            <a:off x="4485880" y="4070973"/>
             <a:ext cx="2702322" cy="651989"/>
           </a:xfrm>
           <a:prstGeom prst="ellipse">
@@ -6301,7 +6634,18 @@
                 <a:ea typeface="メイリオ" panose="020B0604030504040204" pitchFamily="50" charset="-128"/>
                 <a:cs typeface="メイリオ" panose="020B0604030504040204" pitchFamily="50" charset="-128"/>
               </a:rPr>
-              <a:t>一覧表示機能</a:t>
+              <a:t>新規登録</a:t>
+            </a:r>
+            <a:r>
+              <a:rPr lang="zh-TW" altLang="en-US" sz="1400" dirty="0" smtClean="0">
+                <a:solidFill>
+                  <a:schemeClr val="tx1"/>
+                </a:solidFill>
+                <a:latin typeface="メイリオ" panose="020B0604030504040204" pitchFamily="50" charset="-128"/>
+                <a:ea typeface="メイリオ" panose="020B0604030504040204" pitchFamily="50" charset="-128"/>
+                <a:cs typeface="メイリオ" panose="020B0604030504040204" pitchFamily="50" charset="-128"/>
+              </a:rPr>
+              <a:t>機能</a:t>
             </a:r>
             <a:endParaRPr kumimoji="1" lang="ja-JP" altLang="en-US" sz="1400" dirty="0">
               <a:solidFill>
@@ -6322,7 +6666,7 @@
         </p:nvSpPr>
         <p:spPr>
           <a:xfrm>
-            <a:off x="4518748" y="3006254"/>
+            <a:off x="4518748" y="3215577"/>
             <a:ext cx="2702322" cy="651989"/>
           </a:xfrm>
           <a:prstGeom prst="ellipse">
@@ -6357,7 +6701,7 @@
           <a:p>
             <a:pPr algn="ctr"/>
             <a:r>
-              <a:rPr lang="ja-JP" altLang="en-US" sz="1400" dirty="0" smtClean="0">
+              <a:rPr lang="zh-TW" altLang="en-US" sz="1400" dirty="0">
                 <a:solidFill>
                   <a:schemeClr val="tx1"/>
                 </a:solidFill>
@@ -6365,7 +6709,7 @@
                 <a:ea typeface="メイリオ" panose="020B0604030504040204" pitchFamily="50" charset="-128"/>
                 <a:cs typeface="メイリオ" panose="020B0604030504040204" pitchFamily="50" charset="-128"/>
               </a:rPr>
-              <a:t>検索機能</a:t>
+              <a:t>社員詳細情報表示機能</a:t>
             </a:r>
             <a:endParaRPr kumimoji="1" lang="ja-JP" altLang="en-US" sz="1400" dirty="0">
               <a:solidFill>
@@ -6386,7 +6730,7 @@
         </p:nvSpPr>
         <p:spPr>
           <a:xfrm>
-            <a:off x="4518747" y="4892821"/>
+            <a:off x="4518747" y="4958923"/>
             <a:ext cx="2702323" cy="651989"/>
           </a:xfrm>
           <a:prstGeom prst="ellipse">
@@ -6429,7 +6773,7 @@
                 <a:ea typeface="メイリオ" panose="020B0604030504040204" pitchFamily="50" charset="-128"/>
                 <a:cs typeface="メイリオ" panose="020B0604030504040204" pitchFamily="50" charset="-128"/>
               </a:rPr>
-              <a:t>管理者ログイン機能</a:t>
+              <a:t>修正機能</a:t>
             </a:r>
             <a:endParaRPr kumimoji="1" lang="ja-JP" altLang="en-US" sz="1400" dirty="0">
               <a:solidFill>
@@ -6485,7 +6829,7 @@
           <a:p>
             <a:pPr algn="ctr"/>
             <a:r>
-              <a:rPr lang="ja-JP" altLang="en-US" sz="1400" dirty="0" smtClean="0">
+              <a:rPr lang="ja-JP" altLang="en-US" sz="1400" dirty="0">
                 <a:solidFill>
                   <a:schemeClr val="tx1"/>
                 </a:solidFill>
@@ -6493,7 +6837,7 @@
                 <a:ea typeface="メイリオ" panose="020B0604030504040204" pitchFamily="50" charset="-128"/>
                 <a:cs typeface="メイリオ" panose="020B0604030504040204" pitchFamily="50" charset="-128"/>
               </a:rPr>
-              <a:t>投稿削除機能</a:t>
+              <a:t>削除機能</a:t>
             </a:r>
             <a:endParaRPr kumimoji="1" lang="ja-JP" altLang="en-US" sz="1400" dirty="0">
               <a:solidFill>
@@ -6514,7 +6858,7 @@
         </p:nvGrpSpPr>
         <p:grpSpPr>
           <a:xfrm>
-            <a:off x="834286" y="4822391"/>
+            <a:off x="717391" y="2955802"/>
             <a:ext cx="1122770" cy="1436624"/>
             <a:chOff x="9679402" y="2348748"/>
             <a:chExt cx="1122770" cy="1436624"/>
@@ -6722,222 +7066,6 @@
           </p:style>
         </p:cxnSp>
       </p:grpSp>
-      <p:grpSp>
-        <p:nvGrpSpPr>
-          <p:cNvPr id="77" name="グループ化 76"/>
-          <p:cNvGrpSpPr/>
-          <p:nvPr/>
-        </p:nvGrpSpPr>
-        <p:grpSpPr>
-          <a:xfrm>
-            <a:off x="838864" y="2149070"/>
-            <a:ext cx="1122770" cy="1436624"/>
-            <a:chOff x="9679402" y="2348748"/>
-            <a:chExt cx="1122770" cy="1436624"/>
-          </a:xfrm>
-        </p:grpSpPr>
-        <p:sp>
-          <p:nvSpPr>
-            <p:cNvPr id="80" name="円/楕円 79"/>
-            <p:cNvSpPr/>
-            <p:nvPr/>
-          </p:nvSpPr>
-          <p:spPr>
-            <a:xfrm>
-              <a:off x="10034836" y="2348748"/>
-              <a:ext cx="450718" cy="426267"/>
-            </a:xfrm>
-            <a:prstGeom prst="ellipse">
-              <a:avLst/>
-            </a:prstGeom>
-            <a:noFill/>
-            <a:ln w="22225">
-              <a:solidFill>
-                <a:schemeClr val="tx1"/>
-              </a:solidFill>
-            </a:ln>
-          </p:spPr>
-          <p:style>
-            <a:lnRef idx="2">
-              <a:schemeClr val="accent1">
-                <a:shade val="50000"/>
-              </a:schemeClr>
-            </a:lnRef>
-            <a:fillRef idx="1">
-              <a:schemeClr val="accent1"/>
-            </a:fillRef>
-            <a:effectRef idx="0">
-              <a:schemeClr val="accent1"/>
-            </a:effectRef>
-            <a:fontRef idx="minor">
-              <a:schemeClr val="lt1"/>
-            </a:fontRef>
-          </p:style>
-          <p:txBody>
-            <a:bodyPr rtlCol="0" anchor="ctr"/>
-            <a:lstStyle/>
-            <a:p>
-              <a:pPr algn="ctr"/>
-              <a:endParaRPr kumimoji="1" lang="ja-JP" altLang="en-US" sz="1400" dirty="0">
-                <a:solidFill>
-                  <a:schemeClr val="tx1"/>
-                </a:solidFill>
-                <a:latin typeface="メイリオ" panose="020B0604030504040204" pitchFamily="50" charset="-128"/>
-                <a:ea typeface="メイリオ" panose="020B0604030504040204" pitchFamily="50" charset="-128"/>
-                <a:cs typeface="メイリオ" panose="020B0604030504040204" pitchFamily="50" charset="-128"/>
-              </a:endParaRPr>
-            </a:p>
-          </p:txBody>
-        </p:sp>
-        <p:cxnSp>
-          <p:nvCxnSpPr>
-            <p:cNvPr id="82" name="直線矢印コネクタ 81"/>
-            <p:cNvCxnSpPr/>
-            <p:nvPr/>
-          </p:nvCxnSpPr>
-          <p:spPr>
-            <a:xfrm>
-              <a:off x="9679402" y="2976819"/>
-              <a:ext cx="1122770" cy="0"/>
-            </a:xfrm>
-            <a:prstGeom prst="straightConnector1">
-              <a:avLst/>
-            </a:prstGeom>
-            <a:ln w="22225">
-              <a:solidFill>
-                <a:schemeClr val="tx1"/>
-              </a:solidFill>
-              <a:prstDash val="solid"/>
-              <a:tailEnd type="none" w="lg" len="lg"/>
-            </a:ln>
-          </p:spPr>
-          <p:style>
-            <a:lnRef idx="1">
-              <a:schemeClr val="accent1"/>
-            </a:lnRef>
-            <a:fillRef idx="0">
-              <a:schemeClr val="accent1"/>
-            </a:fillRef>
-            <a:effectRef idx="0">
-              <a:schemeClr val="accent1"/>
-            </a:effectRef>
-            <a:fontRef idx="minor">
-              <a:schemeClr val="tx1"/>
-            </a:fontRef>
-          </p:style>
-        </p:cxnSp>
-        <p:cxnSp>
-          <p:nvCxnSpPr>
-            <p:cNvPr id="84" name="直線矢印コネクタ 83"/>
-            <p:cNvCxnSpPr/>
-            <p:nvPr/>
-          </p:nvCxnSpPr>
-          <p:spPr>
-            <a:xfrm flipH="1">
-              <a:off x="10240787" y="2769771"/>
-              <a:ext cx="9648" cy="594178"/>
-            </a:xfrm>
-            <a:prstGeom prst="straightConnector1">
-              <a:avLst/>
-            </a:prstGeom>
-            <a:ln w="22225">
-              <a:solidFill>
-                <a:schemeClr val="tx1"/>
-              </a:solidFill>
-              <a:prstDash val="solid"/>
-              <a:tailEnd type="none" w="lg" len="lg"/>
-            </a:ln>
-          </p:spPr>
-          <p:style>
-            <a:lnRef idx="1">
-              <a:schemeClr val="accent1"/>
-            </a:lnRef>
-            <a:fillRef idx="0">
-              <a:schemeClr val="accent1"/>
-            </a:fillRef>
-            <a:effectRef idx="0">
-              <a:schemeClr val="accent1"/>
-            </a:effectRef>
-            <a:fontRef idx="minor">
-              <a:schemeClr val="tx1"/>
-            </a:fontRef>
-          </p:style>
-        </p:cxnSp>
-        <p:cxnSp>
-          <p:nvCxnSpPr>
-            <p:cNvPr id="85" name="直線矢印コネクタ 84"/>
-            <p:cNvCxnSpPr/>
-            <p:nvPr/>
-          </p:nvCxnSpPr>
-          <p:spPr>
-            <a:xfrm flipV="1">
-              <a:off x="9878857" y="3346391"/>
-              <a:ext cx="359454" cy="431057"/>
-            </a:xfrm>
-            <a:prstGeom prst="straightConnector1">
-              <a:avLst/>
-            </a:prstGeom>
-            <a:ln w="22225">
-              <a:solidFill>
-                <a:schemeClr val="tx1"/>
-              </a:solidFill>
-              <a:prstDash val="solid"/>
-              <a:tailEnd type="none" w="lg" len="lg"/>
-            </a:ln>
-          </p:spPr>
-          <p:style>
-            <a:lnRef idx="1">
-              <a:schemeClr val="accent1"/>
-            </a:lnRef>
-            <a:fillRef idx="0">
-              <a:schemeClr val="accent1"/>
-            </a:fillRef>
-            <a:effectRef idx="0">
-              <a:schemeClr val="accent1"/>
-            </a:effectRef>
-            <a:fontRef idx="minor">
-              <a:schemeClr val="tx1"/>
-            </a:fontRef>
-          </p:style>
-        </p:cxnSp>
-        <p:cxnSp>
-          <p:nvCxnSpPr>
-            <p:cNvPr id="86" name="直線矢印コネクタ 85"/>
-            <p:cNvCxnSpPr/>
-            <p:nvPr/>
-          </p:nvCxnSpPr>
-          <p:spPr>
-            <a:xfrm>
-              <a:off x="10242823" y="3344669"/>
-              <a:ext cx="354380" cy="440703"/>
-            </a:xfrm>
-            <a:prstGeom prst="straightConnector1">
-              <a:avLst/>
-            </a:prstGeom>
-            <a:ln w="22225">
-              <a:solidFill>
-                <a:schemeClr val="tx1"/>
-              </a:solidFill>
-              <a:prstDash val="solid"/>
-              <a:tailEnd type="none" w="lg" len="lg"/>
-            </a:ln>
-          </p:spPr>
-          <p:style>
-            <a:lnRef idx="1">
-              <a:schemeClr val="accent1"/>
-            </a:lnRef>
-            <a:fillRef idx="0">
-              <a:schemeClr val="accent1"/>
-            </a:fillRef>
-            <a:effectRef idx="0">
-              <a:schemeClr val="accent1"/>
-            </a:effectRef>
-            <a:fontRef idx="minor">
-              <a:schemeClr val="tx1"/>
-            </a:fontRef>
-          </p:style>
-        </p:cxnSp>
-      </p:grpSp>
       <p:sp>
         <p:nvSpPr>
           <p:cNvPr id="87" name="正方形/長方形 86"/>
@@ -6946,7 +7074,7 @@
         </p:nvSpPr>
         <p:spPr>
           <a:xfrm>
-            <a:off x="696092" y="6285805"/>
+            <a:off x="583430" y="4470447"/>
             <a:ext cx="1385739" cy="333862"/>
           </a:xfrm>
           <a:prstGeom prst="rect">
@@ -6987,7 +7115,7 @@
                 <a:ea typeface="メイリオ" panose="020B0604030504040204" pitchFamily="50" charset="-128"/>
                 <a:cs typeface="メイリオ" panose="020B0604030504040204" pitchFamily="50" charset="-128"/>
               </a:rPr>
-              <a:t>管理者</a:t>
+              <a:t>一般社員</a:t>
             </a:r>
             <a:endParaRPr kumimoji="1" lang="ja-JP" altLang="en-US" sz="1400" dirty="0">
               <a:solidFill>
@@ -7009,9 +7137,9 @@
           <p:nvPr/>
         </p:nvCxnSpPr>
         <p:spPr>
-          <a:xfrm>
-            <a:off x="2098705" y="3069024"/>
-            <a:ext cx="2420043" cy="263225"/>
+          <a:xfrm flipV="1">
+            <a:off x="2030011" y="3541572"/>
+            <a:ext cx="2488737" cy="34740"/>
           </a:xfrm>
           <a:prstGeom prst="straightConnector1">
             <a:avLst/>
@@ -7043,14 +7171,14 @@
         <p:nvCxnSpPr>
           <p:cNvPr id="91" name="直線矢印コネクタ 90"/>
           <p:cNvCxnSpPr>
-            <a:endCxn id="47" idx="2"/>
+            <a:endCxn id="52" idx="2"/>
           </p:cNvCxnSpPr>
           <p:nvPr/>
         </p:nvCxnSpPr>
         <p:spPr>
           <a:xfrm>
-            <a:off x="2081831" y="3071531"/>
-            <a:ext cx="2404049" cy="1226284"/>
+            <a:off x="2026084" y="3573311"/>
+            <a:ext cx="2492663" cy="1711607"/>
           </a:xfrm>
           <a:prstGeom prst="straightConnector1">
             <a:avLst/>
@@ -7080,16 +7208,16 @@
       </p:cxnSp>
       <p:cxnSp>
         <p:nvCxnSpPr>
-          <p:cNvPr id="94" name="直線矢印コネクタ 93"/>
+          <p:cNvPr id="96" name="直線矢印コネクタ 95"/>
           <p:cNvCxnSpPr>
-            <a:stCxn id="47" idx="2"/>
+            <a:stCxn id="52" idx="6"/>
           </p:cNvCxnSpPr>
           <p:nvPr/>
         </p:nvCxnSpPr>
         <p:spPr>
-          <a:xfrm flipH="1">
-            <a:off x="2081831" y="4297815"/>
-            <a:ext cx="2404049" cy="1344618"/>
+          <a:xfrm flipV="1">
+            <a:off x="7221070" y="4800983"/>
+            <a:ext cx="2814205" cy="483935"/>
           </a:xfrm>
           <a:prstGeom prst="straightConnector1">
             <a:avLst/>
@@ -7117,16 +7245,82 @@
           </a:fontRef>
         </p:style>
       </p:cxnSp>
+      <p:sp>
+        <p:nvSpPr>
+          <p:cNvPr id="42" name="円/楕円 41"/>
+          <p:cNvSpPr/>
+          <p:nvPr/>
+        </p:nvSpPr>
+        <p:spPr>
+          <a:xfrm>
+            <a:off x="4518748" y="1520283"/>
+            <a:ext cx="2702322" cy="651989"/>
+          </a:xfrm>
+          <a:prstGeom prst="ellipse">
+            <a:avLst/>
+          </a:prstGeom>
+          <a:noFill/>
+          <a:ln w="12700">
+            <a:solidFill>
+              <a:schemeClr val="tx1"/>
+            </a:solidFill>
+          </a:ln>
+        </p:spPr>
+        <p:style>
+          <a:lnRef idx="2">
+            <a:schemeClr val="accent1">
+              <a:shade val="50000"/>
+            </a:schemeClr>
+          </a:lnRef>
+          <a:fillRef idx="1">
+            <a:schemeClr val="accent1"/>
+          </a:fillRef>
+          <a:effectRef idx="0">
+            <a:schemeClr val="accent1"/>
+          </a:effectRef>
+          <a:fontRef idx="minor">
+            <a:schemeClr val="lt1"/>
+          </a:fontRef>
+        </p:style>
+        <p:txBody>
+          <a:bodyPr rtlCol="0" anchor="ctr"/>
+          <a:lstStyle/>
+          <a:p>
+            <a:pPr algn="ctr"/>
+            <a:r>
+              <a:rPr lang="ja-JP" altLang="en-US" sz="1400" dirty="0" smtClean="0">
+                <a:solidFill>
+                  <a:schemeClr val="tx1"/>
+                </a:solidFill>
+                <a:latin typeface="メイリオ" panose="020B0604030504040204" pitchFamily="50" charset="-128"/>
+                <a:ea typeface="メイリオ" panose="020B0604030504040204" pitchFamily="50" charset="-128"/>
+                <a:cs typeface="メイリオ" panose="020B0604030504040204" pitchFamily="50" charset="-128"/>
+              </a:rPr>
+              <a:t>ログイン機能</a:t>
+            </a:r>
+            <a:endParaRPr kumimoji="1" lang="ja-JP" altLang="en-US" sz="1400" dirty="0">
+              <a:solidFill>
+                <a:schemeClr val="tx1"/>
+              </a:solidFill>
+              <a:latin typeface="メイリオ" panose="020B0604030504040204" pitchFamily="50" charset="-128"/>
+              <a:ea typeface="メイリオ" panose="020B0604030504040204" pitchFamily="50" charset="-128"/>
+              <a:cs typeface="メイリオ" panose="020B0604030504040204" pitchFamily="50" charset="-128"/>
+            </a:endParaRPr>
+          </a:p>
+        </p:txBody>
+      </p:sp>
       <p:cxnSp>
         <p:nvCxnSpPr>
-          <p:cNvPr id="96" name="直線矢印コネクタ 95"/>
-          <p:cNvCxnSpPr/>
+          <p:cNvPr id="45" name="直線矢印コネクタ 44"/>
+          <p:cNvCxnSpPr>
+            <a:endCxn id="42" idx="2"/>
+          </p:cNvCxnSpPr>
           <p:nvPr/>
         </p:nvCxnSpPr>
         <p:spPr>
           <a:xfrm flipV="1">
-            <a:off x="2078452" y="5285879"/>
-            <a:ext cx="2476745" cy="352762"/>
+            <a:off x="2030011" y="1846278"/>
+            <a:ext cx="2488737" cy="1730034"/>
           </a:xfrm>
           <a:prstGeom prst="straightConnector1">
             <a:avLst/>
@@ -7156,14 +7350,16 @@
       </p:cxnSp>
       <p:cxnSp>
         <p:nvCxnSpPr>
-          <p:cNvPr id="102" name="直線矢印コネクタ 101"/>
-          <p:cNvCxnSpPr/>
+          <p:cNvPr id="49" name="直線矢印コネクタ 48"/>
+          <p:cNvCxnSpPr>
+            <a:stCxn id="51" idx="6"/>
+          </p:cNvCxnSpPr>
           <p:nvPr/>
         </p:nvCxnSpPr>
         <p:spPr>
-          <a:xfrm flipH="1" flipV="1">
-            <a:off x="2078452" y="5642433"/>
-            <a:ext cx="2440295" cy="488160"/>
+          <a:xfrm>
+            <a:off x="7221070" y="3541572"/>
+            <a:ext cx="2785096" cy="1269446"/>
           </a:xfrm>
           <a:prstGeom prst="straightConnector1">
             <a:avLst/>
@@ -7191,127 +7387,18 @@
           </a:fontRef>
         </p:style>
       </p:cxnSp>
-      <p:sp>
-        <p:nvSpPr>
-          <p:cNvPr id="13" name="円柱 12"/>
-          <p:cNvSpPr/>
-          <p:nvPr/>
-        </p:nvSpPr>
-        <p:spPr>
-          <a:xfrm>
-            <a:off x="9648303" y="3310300"/>
-            <a:ext cx="1713917" cy="1136723"/>
-          </a:xfrm>
-          <a:prstGeom prst="can">
-            <a:avLst/>
-          </a:prstGeom>
-          <a:noFill/>
-          <a:ln>
-            <a:solidFill>
-              <a:schemeClr val="tx1"/>
-            </a:solidFill>
-          </a:ln>
-        </p:spPr>
-        <p:style>
-          <a:lnRef idx="2">
-            <a:schemeClr val="accent1">
-              <a:shade val="50000"/>
-            </a:schemeClr>
-          </a:lnRef>
-          <a:fillRef idx="1">
-            <a:schemeClr val="accent1"/>
-          </a:fillRef>
-          <a:effectRef idx="0">
-            <a:schemeClr val="accent1"/>
-          </a:effectRef>
-          <a:fontRef idx="minor">
-            <a:schemeClr val="lt1"/>
-          </a:fontRef>
-        </p:style>
-        <p:txBody>
-          <a:bodyPr rtlCol="0" anchor="ctr"/>
-          <a:lstStyle/>
-          <a:p>
-            <a:pPr algn="ctr"/>
-            <a:endParaRPr kumimoji="1" lang="ja-JP" altLang="en-US"/>
-          </a:p>
-        </p:txBody>
-      </p:sp>
-      <p:sp>
-        <p:nvSpPr>
-          <p:cNvPr id="55" name="正方形/長方形 54"/>
-          <p:cNvSpPr/>
-          <p:nvPr/>
-        </p:nvSpPr>
-        <p:spPr>
-          <a:xfrm>
-            <a:off x="9681565" y="3838929"/>
-            <a:ext cx="1680882" cy="333862"/>
-          </a:xfrm>
-          <a:prstGeom prst="rect">
-            <a:avLst/>
-          </a:prstGeom>
-          <a:noFill/>
-          <a:ln>
-            <a:noFill/>
-          </a:ln>
-        </p:spPr>
-        <p:style>
-          <a:lnRef idx="2">
-            <a:schemeClr val="accent1">
-              <a:shade val="50000"/>
-            </a:schemeClr>
-          </a:lnRef>
-          <a:fillRef idx="1">
-            <a:schemeClr val="accent1"/>
-          </a:fillRef>
-          <a:effectRef idx="0">
-            <a:schemeClr val="accent1"/>
-          </a:effectRef>
-          <a:fontRef idx="minor">
-            <a:schemeClr val="lt1"/>
-          </a:fontRef>
-        </p:style>
-        <p:txBody>
-          <a:bodyPr rtlCol="0" anchor="ctr"/>
-          <a:lstStyle/>
-          <a:p>
-            <a:pPr algn="ctr"/>
-            <a:r>
-              <a:rPr kumimoji="1" lang="ja-JP" altLang="en-US" sz="1400" dirty="0" smtClean="0">
-                <a:solidFill>
-                  <a:schemeClr val="tx1"/>
-                </a:solidFill>
-                <a:latin typeface="メイリオ" panose="020B0604030504040204" pitchFamily="50" charset="-128"/>
-                <a:ea typeface="メイリオ" panose="020B0604030504040204" pitchFamily="50" charset="-128"/>
-                <a:cs typeface="メイリオ" panose="020B0604030504040204" pitchFamily="50" charset="-128"/>
-              </a:rPr>
-              <a:t>投稿情報リスト</a:t>
-            </a:r>
-            <a:endParaRPr kumimoji="1" lang="ja-JP" altLang="en-US" sz="1400" dirty="0">
-              <a:solidFill>
-                <a:schemeClr val="tx1"/>
-              </a:solidFill>
-              <a:latin typeface="メイリオ" panose="020B0604030504040204" pitchFamily="50" charset="-128"/>
-              <a:ea typeface="メイリオ" panose="020B0604030504040204" pitchFamily="50" charset="-128"/>
-              <a:cs typeface="メイリオ" panose="020B0604030504040204" pitchFamily="50" charset="-128"/>
-            </a:endParaRPr>
-          </a:p>
-        </p:txBody>
-      </p:sp>
       <p:cxnSp>
         <p:nvCxnSpPr>
-          <p:cNvPr id="61" name="直線矢印コネクタ 60"/>
+          <p:cNvPr id="53" name="直線矢印コネクタ 52"/>
           <p:cNvCxnSpPr>
-            <a:stCxn id="51" idx="6"/>
-            <a:endCxn id="13" idx="2"/>
+            <a:stCxn id="88" idx="6"/>
           </p:cNvCxnSpPr>
           <p:nvPr/>
         </p:nvCxnSpPr>
         <p:spPr>
           <a:xfrm>
-            <a:off x="7221070" y="3332249"/>
-            <a:ext cx="2427233" cy="546413"/>
+            <a:off x="7221070" y="2686175"/>
+            <a:ext cx="2814205" cy="2117985"/>
           </a:xfrm>
           <a:prstGeom prst="straightConnector1">
             <a:avLst/>
@@ -7341,17 +7428,16 @@
       </p:cxnSp>
       <p:cxnSp>
         <p:nvCxnSpPr>
-          <p:cNvPr id="62" name="直線矢印コネクタ 61"/>
+          <p:cNvPr id="55" name="直線矢印コネクタ 54"/>
           <p:cNvCxnSpPr>
-            <a:stCxn id="88" idx="6"/>
-            <a:endCxn id="13" idx="2"/>
+            <a:stCxn id="42" idx="6"/>
           </p:cNvCxnSpPr>
           <p:nvPr/>
         </p:nvCxnSpPr>
         <p:spPr>
           <a:xfrm>
-            <a:off x="7221070" y="2366683"/>
-            <a:ext cx="2427233" cy="1511979"/>
+            <a:off x="7221070" y="1846278"/>
+            <a:ext cx="2814205" cy="2946781"/>
           </a:xfrm>
           <a:prstGeom prst="straightConnector1">
             <a:avLst/>
@@ -7379,90 +7465,304 @@
           </a:fontRef>
         </p:style>
       </p:cxnSp>
-      <p:cxnSp>
-        <p:nvCxnSpPr>
-          <p:cNvPr id="64" name="直線矢印コネクタ 63"/>
-          <p:cNvCxnSpPr>
-            <a:stCxn id="47" idx="6"/>
-            <a:endCxn id="13" idx="2"/>
-          </p:cNvCxnSpPr>
+      <p:sp>
+        <p:nvSpPr>
+          <p:cNvPr id="68" name="円柱 67"/>
+          <p:cNvSpPr/>
           <p:nvPr/>
-        </p:nvCxnSpPr>
-        <p:spPr>
-          <a:xfrm flipV="1">
-            <a:off x="7188202" y="3878662"/>
-            <a:ext cx="2460101" cy="419153"/>
-          </a:xfrm>
-          <a:prstGeom prst="straightConnector1">
+        </p:nvSpPr>
+        <p:spPr>
+          <a:xfrm>
+            <a:off x="10027240" y="4222268"/>
+            <a:ext cx="1713917" cy="1136723"/>
+          </a:xfrm>
+          <a:prstGeom prst="can">
             <a:avLst/>
           </a:prstGeom>
-          <a:ln w="19050">
+          <a:noFill/>
+          <a:ln>
             <a:solidFill>
               <a:schemeClr val="tx1"/>
             </a:solidFill>
-            <a:prstDash val="solid"/>
-            <a:tailEnd type="none" w="lg" len="lg"/>
           </a:ln>
         </p:spPr>
         <p:style>
-          <a:lnRef idx="1">
-            <a:schemeClr val="accent1"/>
+          <a:lnRef idx="2">
+            <a:schemeClr val="accent1">
+              <a:shade val="50000"/>
+            </a:schemeClr>
           </a:lnRef>
-          <a:fillRef idx="0">
+          <a:fillRef idx="1">
             <a:schemeClr val="accent1"/>
           </a:fillRef>
           <a:effectRef idx="0">
             <a:schemeClr val="accent1"/>
           </a:effectRef>
           <a:fontRef idx="minor">
-            <a:schemeClr val="tx1"/>
+            <a:schemeClr val="lt1"/>
           </a:fontRef>
         </p:style>
-      </p:cxnSp>
-      <p:cxnSp>
-        <p:nvCxnSpPr>
-          <p:cNvPr id="65" name="直線矢印コネクタ 64"/>
-          <p:cNvCxnSpPr>
-            <a:stCxn id="56" idx="6"/>
-            <a:endCxn id="13" idx="2"/>
-          </p:cNvCxnSpPr>
+        <p:txBody>
+          <a:bodyPr rtlCol="0" anchor="ctr"/>
+          <a:lstStyle/>
+          <a:p>
+            <a:pPr algn="ctr"/>
+            <a:endParaRPr kumimoji="1" lang="ja-JP" altLang="en-US"/>
+          </a:p>
+        </p:txBody>
+      </p:sp>
+      <p:sp>
+        <p:nvSpPr>
+          <p:cNvPr id="69" name="正方形/長方形 68"/>
+          <p:cNvSpPr/>
           <p:nvPr/>
-        </p:nvCxnSpPr>
-        <p:spPr>
-          <a:xfrm flipV="1">
-            <a:off x="7221070" y="3878662"/>
-            <a:ext cx="2427233" cy="2268708"/>
-          </a:xfrm>
-          <a:prstGeom prst="straightConnector1">
+        </p:nvSpPr>
+        <p:spPr>
+          <a:xfrm>
+            <a:off x="10060502" y="4750897"/>
+            <a:ext cx="1680882" cy="333862"/>
+          </a:xfrm>
+          <a:prstGeom prst="rect">
             <a:avLst/>
           </a:prstGeom>
-          <a:ln w="19050">
-            <a:solidFill>
-              <a:schemeClr val="tx1"/>
-            </a:solidFill>
-            <a:prstDash val="solid"/>
-            <a:tailEnd type="none" w="lg" len="lg"/>
+          <a:noFill/>
+          <a:ln>
+            <a:noFill/>
           </a:ln>
         </p:spPr>
         <p:style>
-          <a:lnRef idx="1">
-            <a:schemeClr val="accent1"/>
+          <a:lnRef idx="2">
+            <a:schemeClr val="accent1">
+              <a:shade val="50000"/>
+            </a:schemeClr>
           </a:lnRef>
-          <a:fillRef idx="0">
+          <a:fillRef idx="1">
             <a:schemeClr val="accent1"/>
           </a:fillRef>
           <a:effectRef idx="0">
             <a:schemeClr val="accent1"/>
           </a:effectRef>
           <a:fontRef idx="minor">
-            <a:schemeClr val="tx1"/>
+            <a:schemeClr val="lt1"/>
           </a:fontRef>
         </p:style>
-      </p:cxnSp>
+        <p:txBody>
+          <a:bodyPr rtlCol="0" anchor="ctr"/>
+          <a:lstStyle/>
+          <a:p>
+            <a:pPr algn="ctr"/>
+            <a:r>
+              <a:rPr kumimoji="1" lang="ja-JP" altLang="en-US" sz="1400" dirty="0" smtClean="0">
+                <a:solidFill>
+                  <a:schemeClr val="tx1"/>
+                </a:solidFill>
+                <a:latin typeface="メイリオ" panose="020B0604030504040204" pitchFamily="50" charset="-128"/>
+                <a:ea typeface="メイリオ" panose="020B0604030504040204" pitchFamily="50" charset="-128"/>
+                <a:cs typeface="メイリオ" panose="020B0604030504040204" pitchFamily="50" charset="-128"/>
+              </a:rPr>
+              <a:t>データベース</a:t>
+            </a:r>
+            <a:endParaRPr kumimoji="1" lang="ja-JP" altLang="en-US" sz="1400" dirty="0">
+              <a:solidFill>
+                <a:schemeClr val="tx1"/>
+              </a:solidFill>
+              <a:latin typeface="メイリオ" panose="020B0604030504040204" pitchFamily="50" charset="-128"/>
+              <a:ea typeface="メイリオ" panose="020B0604030504040204" pitchFamily="50" charset="-128"/>
+              <a:cs typeface="メイリオ" panose="020B0604030504040204" pitchFamily="50" charset="-128"/>
+            </a:endParaRPr>
+          </a:p>
+        </p:txBody>
+      </p:sp>
+      <p:sp>
+        <p:nvSpPr>
+          <p:cNvPr id="61" name="正方形/長方形 60"/>
+          <p:cNvSpPr/>
+          <p:nvPr/>
+        </p:nvSpPr>
+        <p:spPr>
+          <a:xfrm>
+            <a:off x="10116782" y="363073"/>
+            <a:ext cx="1875165" cy="213497"/>
+          </a:xfrm>
+          <a:prstGeom prst="rect">
+            <a:avLst/>
+          </a:prstGeom>
+          <a:noFill/>
+          <a:ln>
+            <a:noFill/>
+          </a:ln>
+        </p:spPr>
+        <p:style>
+          <a:lnRef idx="2">
+            <a:schemeClr val="accent1">
+              <a:shade val="50000"/>
+            </a:schemeClr>
+          </a:lnRef>
+          <a:fillRef idx="1">
+            <a:schemeClr val="accent1"/>
+          </a:fillRef>
+          <a:effectRef idx="0">
+            <a:schemeClr val="accent1"/>
+          </a:effectRef>
+          <a:fontRef idx="minor">
+            <a:schemeClr val="lt1"/>
+          </a:fontRef>
+        </p:style>
+        <p:txBody>
+          <a:bodyPr rtlCol="0" anchor="t"/>
+          <a:lstStyle/>
+          <a:p>
+            <a:pPr algn="ctr"/>
+            <a:r>
+              <a:rPr lang="en-US" altLang="ja-JP" sz="1100" dirty="0" smtClean="0">
+                <a:solidFill>
+                  <a:schemeClr val="tx1"/>
+                </a:solidFill>
+                <a:latin typeface="メイリオ" panose="020B0604030504040204" pitchFamily="50" charset="-128"/>
+                <a:ea typeface="メイリオ" panose="020B0604030504040204" pitchFamily="50" charset="-128"/>
+                <a:cs typeface="メイリオ" panose="020B0604030504040204" pitchFamily="50" charset="-128"/>
+              </a:rPr>
+              <a:t>2017/10/25</a:t>
+            </a:r>
+            <a:endParaRPr kumimoji="1" lang="ja-JP" altLang="en-US" sz="1100" dirty="0">
+              <a:solidFill>
+                <a:schemeClr val="tx1"/>
+              </a:solidFill>
+              <a:latin typeface="メイリオ" panose="020B0604030504040204" pitchFamily="50" charset="-128"/>
+              <a:ea typeface="メイリオ" panose="020B0604030504040204" pitchFamily="50" charset="-128"/>
+              <a:cs typeface="メイリオ" panose="020B0604030504040204" pitchFamily="50" charset="-128"/>
+            </a:endParaRPr>
+          </a:p>
+        </p:txBody>
+      </p:sp>
+      <p:sp>
+        <p:nvSpPr>
+          <p:cNvPr id="62" name="正方形/長方形 61"/>
+          <p:cNvSpPr/>
+          <p:nvPr/>
+        </p:nvSpPr>
+        <p:spPr>
+          <a:xfrm>
+            <a:off x="9452056" y="127047"/>
+            <a:ext cx="318028" cy="270973"/>
+          </a:xfrm>
+          <a:prstGeom prst="rect">
+            <a:avLst/>
+          </a:prstGeom>
+          <a:noFill/>
+          <a:ln>
+            <a:noFill/>
+          </a:ln>
+        </p:spPr>
+        <p:style>
+          <a:lnRef idx="2">
+            <a:schemeClr val="accent1">
+              <a:shade val="50000"/>
+            </a:schemeClr>
+          </a:lnRef>
+          <a:fillRef idx="1">
+            <a:schemeClr val="accent1"/>
+          </a:fillRef>
+          <a:effectRef idx="0">
+            <a:schemeClr val="accent1"/>
+          </a:effectRef>
+          <a:fontRef idx="minor">
+            <a:schemeClr val="lt1"/>
+          </a:fontRef>
+        </p:style>
+        <p:txBody>
+          <a:bodyPr rtlCol="0" anchor="t"/>
+          <a:lstStyle/>
+          <a:p>
+            <a:pPr algn="ctr"/>
+            <a:r>
+              <a:rPr lang="en-US" altLang="ja-JP" sz="1100" dirty="0" smtClean="0">
+                <a:solidFill>
+                  <a:schemeClr val="tx1"/>
+                </a:solidFill>
+                <a:latin typeface="メイリオ" panose="020B0604030504040204" pitchFamily="50" charset="-128"/>
+                <a:ea typeface="メイリオ" panose="020B0604030504040204" pitchFamily="50" charset="-128"/>
+                <a:cs typeface="メイリオ" panose="020B0604030504040204" pitchFamily="50" charset="-128"/>
+              </a:rPr>
+              <a:t>1</a:t>
+            </a:r>
+            <a:endParaRPr kumimoji="1" lang="ja-JP" altLang="en-US" sz="1100" dirty="0">
+              <a:solidFill>
+                <a:schemeClr val="tx1"/>
+              </a:solidFill>
+              <a:latin typeface="メイリオ" panose="020B0604030504040204" pitchFamily="50" charset="-128"/>
+              <a:ea typeface="メイリオ" panose="020B0604030504040204" pitchFamily="50" charset="-128"/>
+              <a:cs typeface="メイリオ" panose="020B0604030504040204" pitchFamily="50" charset="-128"/>
+            </a:endParaRPr>
+          </a:p>
+        </p:txBody>
+      </p:sp>
+      <p:sp>
+        <p:nvSpPr>
+          <p:cNvPr id="64" name="正方形/長方形 63"/>
+          <p:cNvSpPr/>
+          <p:nvPr/>
+        </p:nvSpPr>
+        <p:spPr>
+          <a:xfrm>
+            <a:off x="9450218" y="411651"/>
+            <a:ext cx="318028" cy="270973"/>
+          </a:xfrm>
+          <a:prstGeom prst="rect">
+            <a:avLst/>
+          </a:prstGeom>
+          <a:noFill/>
+          <a:ln>
+            <a:noFill/>
+          </a:ln>
+        </p:spPr>
+        <p:style>
+          <a:lnRef idx="2">
+            <a:schemeClr val="accent1">
+              <a:shade val="50000"/>
+            </a:schemeClr>
+          </a:lnRef>
+          <a:fillRef idx="1">
+            <a:schemeClr val="accent1"/>
+          </a:fillRef>
+          <a:effectRef idx="0">
+            <a:schemeClr val="accent1"/>
+          </a:effectRef>
+          <a:fontRef idx="minor">
+            <a:schemeClr val="lt1"/>
+          </a:fontRef>
+        </p:style>
+        <p:txBody>
+          <a:bodyPr rtlCol="0" anchor="t"/>
+          <a:lstStyle/>
+          <a:p>
+            <a:pPr algn="ctr"/>
+            <a:r>
+              <a:rPr lang="en-US" altLang="ja-JP" sz="1100" dirty="0" smtClean="0">
+                <a:solidFill>
+                  <a:schemeClr val="tx1"/>
+                </a:solidFill>
+                <a:latin typeface="メイリオ" panose="020B0604030504040204" pitchFamily="50" charset="-128"/>
+                <a:ea typeface="メイリオ" panose="020B0604030504040204" pitchFamily="50" charset="-128"/>
+                <a:cs typeface="メイリオ" panose="020B0604030504040204" pitchFamily="50" charset="-128"/>
+              </a:rPr>
+              <a:t>2</a:t>
+            </a:r>
+            <a:endParaRPr kumimoji="1" lang="ja-JP" altLang="en-US" sz="1100" dirty="0">
+              <a:solidFill>
+                <a:schemeClr val="tx1"/>
+              </a:solidFill>
+              <a:latin typeface="メイリオ" panose="020B0604030504040204" pitchFamily="50" charset="-128"/>
+              <a:ea typeface="メイリオ" panose="020B0604030504040204" pitchFamily="50" charset="-128"/>
+              <a:cs typeface="メイリオ" panose="020B0604030504040204" pitchFamily="50" charset="-128"/>
+            </a:endParaRPr>
+          </a:p>
+        </p:txBody>
+      </p:sp>
     </p:spTree>
     <p:extLst>
       <p:ext uri="{BB962C8B-B14F-4D97-AF65-F5344CB8AC3E}">
-        <p14:creationId xmlns:p14="http://schemas.microsoft.com/office/powerpoint/2010/main" val="206551529"/>
+        <p14:creationId xmlns:p14="http://schemas.microsoft.com/office/powerpoint/2010/main" val="1566372336"/>
       </p:ext>
     </p:extLst>
   </p:cSld>
